--- a/1. Lectures/Introducción a la Optimización aplicada a Sistemas de Energía Eléctrica/Dia 1/2. Modelamiento e Optimización.pptx
+++ b/1. Lectures/Introducción a la Optimización aplicada a Sistemas de Energía Eléctrica/Dia 1/2. Modelamiento e Optimización.pptx
@@ -5364,14 +5364,14 @@
           <p:nvPr>
             <p:extLst>
               <p:ext uri="{D42A27DB-BD31-4B8C-83A1-F6EECF244321}">
-                <p14:modId xmlns:p14="http://schemas.microsoft.com/office/powerpoint/2010/main" val="1949808647"/>
+                <p14:modId xmlns:p14="http://schemas.microsoft.com/office/powerpoint/2010/main" val="1878975554"/>
               </p:ext>
             </p:extLst>
           </p:nvPr>
         </p:nvGraphicFramePr>
         <p:xfrm>
           <a:off x="1323954" y="2351103"/>
-          <a:ext cx="6558729" cy="1112520"/>
+          <a:ext cx="6558729" cy="1381760"/>
         </p:xfrm>
         <a:graphic>
           <a:graphicData uri="http://schemas.openxmlformats.org/drawingml/2006/table">
@@ -5458,6 +5458,11 @@
                         <a:rPr lang="es-PE" dirty="0"/>
                         <a:t>Combustible</a:t>
                       </a:r>
+                      <a:r>
+                        <a:rPr lang="es-PE" baseline="0" dirty="0"/>
+                        <a:t> Reactores</a:t>
+                      </a:r>
+                      <a:endParaRPr lang="es-PE" dirty="0"/>
                     </a:p>
                   </a:txBody>
                   <a:tcPr/>
@@ -5614,8 +5619,8 @@
         </p:nvSpPr>
         <p:spPr>
           <a:xfrm>
-            <a:off x="602191" y="3654575"/>
-            <a:ext cx="8002257" cy="2246769"/>
+            <a:off x="602191" y="4030032"/>
+            <a:ext cx="8002257" cy="1631216"/>
           </a:xfrm>
           <a:prstGeom prst="rect">
             <a:avLst/>
@@ -5634,17 +5639,7 @@
             </a:pPr>
             <a:r>
               <a:rPr lang="es-MX" sz="2000" dirty="0"/>
-              <a:t>En el proceso de refinamiento se pierde el 5 % y el 8 % del crudo, respectivamente. </a:t>
-            </a:r>
-          </a:p>
-          <a:p>
-            <a:pPr marL="285750" indent="-285750">
-              <a:buFont typeface="Arial" panose="020B0604020202020204" pitchFamily="34" charset="0"/>
-              <a:buChar char="•"/>
-            </a:pPr>
-            <a:r>
-              <a:rPr lang="es-MX" sz="2000" dirty="0"/>
-              <a:t>La refinería tiene un contrato para entregar un millón de barriles de gasolina, cuatrocientos mil barriles de keroseno, y doscientos cincuenta mil barriles de combustible para reactores. </a:t>
+              <a:t>La refinería tiene un contrato para entregar un millón de barriles de gasolina, cuatrocientos mil barriles de kerosene, y doscientos cincuenta mil barriles de combustible para reactores. </a:t>
             </a:r>
           </a:p>
           <a:p>

--- a/1. Lectures/Introducción a la Optimización aplicada a Sistemas de Energía Eléctrica/Dia 1/2. Modelamiento e Optimización.pptx
+++ b/1. Lectures/Introducción a la Optimización aplicada a Sistemas de Energía Eléctrica/Dia 1/2. Modelamiento e Optimización.pptx
@@ -5774,7 +5774,7 @@
         <p:spPr>
           <a:xfrm>
             <a:off x="602191" y="836712"/>
-            <a:ext cx="8002257" cy="2862322"/>
+            <a:ext cx="8002257" cy="3170099"/>
           </a:xfrm>
           <a:prstGeom prst="rect">
             <a:avLst/>
@@ -5821,7 +5821,7 @@
             </a:pPr>
             <a:r>
               <a:rPr lang="es-MX" sz="2000" dirty="0"/>
-              <a:t>La demanda de las sillas es de unidades y la de mesas de 10 unidades.</a:t>
+              <a:t>La demanda de las sillas es de 5 unidades y la de mesas de 10 unidades.</a:t>
             </a:r>
           </a:p>
           <a:p>
@@ -5867,7 +5867,11 @@
             </a:pPr>
             <a:r>
               <a:rPr lang="es-MX" sz="2000" dirty="0"/>
-              <a:t>¿Cuántas sillas y mesas construyo?  </a:t>
+              <a:t>¿Cuántas sillas y mesas construyo con el fin de obtener la máxima </a:t>
+            </a:r>
+            <a:r>
+              <a:rPr lang="es-MX" sz="2000"/>
+              <a:t>utilidad por semana?  </a:t>
             </a:r>
             <a:endParaRPr lang="es-PE" sz="2000" dirty="0"/>
           </a:p>

--- a/1. Lectures/Introducción a la Optimización aplicada a Sistemas de Energía Eléctrica/Dia 1/2. Modelamiento e Optimización.pptx
+++ b/1. Lectures/Introducción a la Optimización aplicada a Sistemas de Energía Eléctrica/Dia 1/2. Modelamiento e Optimización.pptx
@@ -5,15 +5,17 @@
     <p:sldMasterId id="2147483732" r:id="rId1"/>
   </p:sldMasterIdLst>
   <p:notesMasterIdLst>
-    <p:notesMasterId r:id="rId5"/>
+    <p:notesMasterId r:id="rId7"/>
   </p:notesMasterIdLst>
   <p:handoutMasterIdLst>
-    <p:handoutMasterId r:id="rId6"/>
+    <p:handoutMasterId r:id="rId8"/>
   </p:handoutMasterIdLst>
   <p:sldIdLst>
     <p:sldId id="256" r:id="rId2"/>
     <p:sldId id="393" r:id="rId3"/>
     <p:sldId id="394" r:id="rId4"/>
+    <p:sldId id="395" r:id="rId5"/>
+    <p:sldId id="396" r:id="rId6"/>
   </p:sldIdLst>
   <p:sldSz cx="9144000" cy="6858000" type="screen4x3"/>
   <p:notesSz cx="6858000" cy="9144000"/>
@@ -120,6 +122,8 @@
             <p14:sldId id="256"/>
             <p14:sldId id="393"/>
             <p14:sldId id="394"/>
+            <p14:sldId id="395"/>
+            <p14:sldId id="396"/>
           </p14:sldIdLst>
         </p14:section>
       </p14:sectionLst>
@@ -228,7 +232,7 @@
             <a:fld id="{20597DA6-5F4F-42D3-8A01-E860A9714D40}" type="datetimeFigureOut">
               <a:rPr lang="es-ES" smtClean="0"/>
               <a:pPr/>
-              <a:t>28/02/2019</a:t>
+              <a:t>01/03/2019</a:t>
             </a:fld>
             <a:endParaRPr lang="es-ES"/>
           </a:p>
@@ -399,7 +403,7 @@
             <a:fld id="{D23D6ABD-B407-4DBB-94E4-3909D8A64036}" type="datetimeFigureOut">
               <a:rPr lang="es-ES" smtClean="0"/>
               <a:pPr/>
-              <a:t>28/02/2019</a:t>
+              <a:t>01/03/2019</a:t>
             </a:fld>
             <a:endParaRPr lang="es-ES"/>
           </a:p>
@@ -5881,6 +5885,616 @@
     <p:extLst>
       <p:ext uri="{BB962C8B-B14F-4D97-AF65-F5344CB8AC3E}">
         <p14:creationId xmlns:p14="http://schemas.microsoft.com/office/powerpoint/2010/main" val="978993721"/>
+      </p:ext>
+    </p:extLst>
+  </p:cSld>
+  <p:clrMapOvr>
+    <a:masterClrMapping/>
+  </p:clrMapOvr>
+  <p:transition spd="slow">
+    <p:fade/>
+  </p:transition>
+</p:sld>
+</file>
+
+<file path=ppt/slides/slide4.xml><?xml version="1.0" encoding="utf-8"?>
+<p:sld xmlns:a="http://schemas.openxmlformats.org/drawingml/2006/main" xmlns:r="http://schemas.openxmlformats.org/officeDocument/2006/relationships" xmlns:p="http://schemas.openxmlformats.org/presentationml/2006/main">
+  <p:cSld>
+    <p:spTree>
+      <p:nvGrpSpPr>
+        <p:cNvPr id="1" name=""/>
+        <p:cNvGrpSpPr/>
+        <p:nvPr/>
+      </p:nvGrpSpPr>
+      <p:grpSpPr>
+        <a:xfrm>
+          <a:off x="0" y="0"/>
+          <a:ext cx="0" cy="0"/>
+          <a:chOff x="0" y="0"/>
+          <a:chExt cx="0" cy="0"/>
+        </a:xfrm>
+      </p:grpSpPr>
+      <p:sp>
+        <p:nvSpPr>
+          <p:cNvPr id="2" name="Marcador de número de diapositiva 1"/>
+          <p:cNvSpPr>
+            <a:spLocks noGrp="1"/>
+          </p:cNvSpPr>
+          <p:nvPr>
+            <p:ph type="sldNum" sz="quarter" idx="12"/>
+          </p:nvPr>
+        </p:nvSpPr>
+        <p:spPr/>
+        <p:txBody>
+          <a:bodyPr/>
+          <a:lstStyle/>
+          <a:p>
+            <a:fld id="{64BD7E74-CBD2-4D88-9109-2EA8081AE675}" type="slidenum">
+              <a:rPr lang="es-ES" smtClean="0"/>
+              <a:pPr/>
+              <a:t>4</a:t>
+            </a:fld>
+            <a:endParaRPr lang="es-ES"/>
+          </a:p>
+        </p:txBody>
+      </p:sp>
+      <p:sp>
+        <p:nvSpPr>
+          <p:cNvPr id="3" name="4 Título"/>
+          <p:cNvSpPr txBox="1">
+            <a:spLocks/>
+          </p:cNvSpPr>
+          <p:nvPr/>
+        </p:nvSpPr>
+        <p:spPr>
+          <a:xfrm>
+            <a:off x="611560" y="188640"/>
+            <a:ext cx="8784976" cy="457120"/>
+          </a:xfrm>
+          <a:prstGeom prst="rect">
+            <a:avLst/>
+          </a:prstGeom>
+        </p:spPr>
+        <p:txBody>
+          <a:bodyPr bIns="91440" anchor="b" anchorCtr="0">
+            <a:noAutofit/>
+          </a:bodyPr>
+          <a:lstStyle>
+            <a:lvl1pPr>
+              <a:spcBef>
+                <a:spcPct val="0"/>
+              </a:spcBef>
+              <a:buNone/>
+              <a:defRPr kumimoji="0" sz="2400">
+                <a:ln w="0"/>
+                <a:solidFill>
+                  <a:schemeClr val="tx2"/>
+                </a:solidFill>
+                <a:effectLst>
+                  <a:outerShdw blurRad="38100" dist="19050" dir="2700000" algn="tl" rotWithShape="0">
+                    <a:schemeClr val="dk1">
+                      <a:alpha val="40000"/>
+                    </a:schemeClr>
+                  </a:outerShdw>
+                </a:effectLst>
+                <a:latin typeface="+mj-lt"/>
+                <a:ea typeface="+mj-ea"/>
+                <a:cs typeface="+mj-cs"/>
+              </a:defRPr>
+            </a:lvl1pPr>
+          </a:lstStyle>
+          <a:p>
+            <a:r>
+              <a:rPr lang="es-PE" altLang="en-US" dirty="0"/>
+              <a:t>Modelamiento matemático</a:t>
+            </a:r>
+          </a:p>
+        </p:txBody>
+      </p:sp>
+      <p:sp>
+        <p:nvSpPr>
+          <p:cNvPr id="5" name="CuadroTexto 4"/>
+          <p:cNvSpPr txBox="1"/>
+          <p:nvPr/>
+        </p:nvSpPr>
+        <p:spPr>
+          <a:xfrm>
+            <a:off x="602191" y="836712"/>
+            <a:ext cx="8002257" cy="2246769"/>
+          </a:xfrm>
+          <a:prstGeom prst="rect">
+            <a:avLst/>
+          </a:prstGeom>
+          <a:noFill/>
+        </p:spPr>
+        <p:txBody>
+          <a:bodyPr wrap="square" rtlCol="0">
+            <a:spAutoFit/>
+          </a:bodyPr>
+          <a:lstStyle/>
+          <a:p>
+            <a:pPr marL="285750" indent="-285750">
+              <a:buFont typeface="Arial" panose="020B0604020202020204" pitchFamily="34" charset="0"/>
+              <a:buChar char="•"/>
+            </a:pPr>
+            <a:r>
+              <a:rPr lang="es-MX" sz="2000" dirty="0"/>
+              <a:t>Definición: Proceso de abstracción de la realidad hacia formas matemáticas para representar partes de ella.</a:t>
+            </a:r>
+          </a:p>
+          <a:p>
+            <a:pPr marL="285750" indent="-285750">
+              <a:buFont typeface="Arial" panose="020B0604020202020204" pitchFamily="34" charset="0"/>
+              <a:buChar char="•"/>
+            </a:pPr>
+            <a:r>
+              <a:rPr lang="es-MX" sz="2000" dirty="0"/>
+              <a:t>Entonces: </a:t>
+            </a:r>
+          </a:p>
+          <a:p>
+            <a:pPr marL="742950" lvl="1" indent="-285750">
+              <a:buFont typeface="Arial" panose="020B0604020202020204" pitchFamily="34" charset="0"/>
+              <a:buChar char="•"/>
+            </a:pPr>
+            <a:r>
+              <a:rPr lang="es-MX" sz="2000" dirty="0"/>
+              <a:t>Representación simplificada de una realidad</a:t>
+            </a:r>
+          </a:p>
+          <a:p>
+            <a:pPr marL="742950" lvl="1" indent="-285750">
+              <a:buFont typeface="Arial" panose="020B0604020202020204" pitchFamily="34" charset="0"/>
+              <a:buChar char="•"/>
+            </a:pPr>
+            <a:r>
+              <a:rPr lang="es-MX" sz="2000" dirty="0"/>
+              <a:t>Herramienta ayuda para la toma de decisiones</a:t>
+            </a:r>
+          </a:p>
+          <a:p>
+            <a:pPr marL="285750" indent="-285750">
+              <a:buFont typeface="Arial" panose="020B0604020202020204" pitchFamily="34" charset="0"/>
+              <a:buChar char="•"/>
+            </a:pPr>
+            <a:r>
+              <a:rPr lang="es-MX" sz="2000" dirty="0"/>
+              <a:t>Modelador: desarrollo del modelo.</a:t>
+            </a:r>
+          </a:p>
+          <a:p>
+            <a:pPr marL="285750" indent="-285750">
+              <a:buFont typeface="Arial" panose="020B0604020202020204" pitchFamily="34" charset="0"/>
+              <a:buChar char="•"/>
+            </a:pPr>
+            <a:r>
+              <a:rPr lang="es-MX" sz="2000" dirty="0"/>
+              <a:t>Experto: conocimiento de la realidad del problema</a:t>
+            </a:r>
+          </a:p>
+        </p:txBody>
+      </p:sp>
+      <p:sp>
+        <p:nvSpPr>
+          <p:cNvPr id="4" name="CuadroTexto 3"/>
+          <p:cNvSpPr txBox="1"/>
+          <p:nvPr/>
+        </p:nvSpPr>
+        <p:spPr>
+          <a:xfrm>
+            <a:off x="611560" y="5517232"/>
+            <a:ext cx="7992888" cy="1015663"/>
+          </a:xfrm>
+          <a:prstGeom prst="rect">
+            <a:avLst/>
+          </a:prstGeom>
+          <a:noFill/>
+        </p:spPr>
+        <p:txBody>
+          <a:bodyPr wrap="square" rtlCol="0">
+            <a:spAutoFit/>
+          </a:bodyPr>
+          <a:lstStyle/>
+          <a:p>
+            <a:pPr algn="ctr"/>
+            <a:r>
+              <a:rPr lang="es-MX" sz="2000" dirty="0">
+                <a:latin typeface="Lucida Calligraphy" panose="03010101010101010101" pitchFamily="66" charset="0"/>
+              </a:rPr>
+              <a:t>La relación entre el modelo y la método de solución es relativo y depende de la tecnología de la época.</a:t>
+            </a:r>
+          </a:p>
+          <a:p>
+            <a:pPr algn="ctr"/>
+            <a:endParaRPr lang="es-PE" sz="2000" dirty="0">
+              <a:latin typeface="Lucida Calligraphy" panose="03010101010101010101" pitchFamily="66" charset="0"/>
+            </a:endParaRPr>
+          </a:p>
+        </p:txBody>
+      </p:sp>
+      <p:sp>
+        <p:nvSpPr>
+          <p:cNvPr id="7" name="Nube 6"/>
+          <p:cNvSpPr/>
+          <p:nvPr/>
+        </p:nvSpPr>
+        <p:spPr>
+          <a:xfrm>
+            <a:off x="1187624" y="3212976"/>
+            <a:ext cx="1440160" cy="720080"/>
+          </a:xfrm>
+          <a:prstGeom prst="cloud">
+            <a:avLst/>
+          </a:prstGeom>
+        </p:spPr>
+        <p:style>
+          <a:lnRef idx="2">
+            <a:schemeClr val="accent1">
+              <a:shade val="50000"/>
+            </a:schemeClr>
+          </a:lnRef>
+          <a:fillRef idx="1">
+            <a:schemeClr val="accent1"/>
+          </a:fillRef>
+          <a:effectRef idx="0">
+            <a:schemeClr val="accent1"/>
+          </a:effectRef>
+          <a:fontRef idx="minor">
+            <a:schemeClr val="lt1"/>
+          </a:fontRef>
+        </p:style>
+        <p:txBody>
+          <a:bodyPr rtlCol="0" anchor="ctr"/>
+          <a:lstStyle/>
+          <a:p>
+            <a:pPr algn="ctr"/>
+            <a:r>
+              <a:rPr lang="es-MX" dirty="0"/>
+              <a:t>Realidad</a:t>
+            </a:r>
+            <a:endParaRPr lang="es-PE" dirty="0"/>
+          </a:p>
+        </p:txBody>
+      </p:sp>
+    </p:spTree>
+    <p:extLst>
+      <p:ext uri="{BB962C8B-B14F-4D97-AF65-F5344CB8AC3E}">
+        <p14:creationId xmlns:p14="http://schemas.microsoft.com/office/powerpoint/2010/main" val="147473549"/>
+      </p:ext>
+    </p:extLst>
+  </p:cSld>
+  <p:clrMapOvr>
+    <a:masterClrMapping/>
+  </p:clrMapOvr>
+  <p:transition spd="slow">
+    <p:fade/>
+  </p:transition>
+</p:sld>
+</file>
+
+<file path=ppt/slides/slide5.xml><?xml version="1.0" encoding="utf-8"?>
+<p:sld xmlns:a="http://schemas.openxmlformats.org/drawingml/2006/main" xmlns:r="http://schemas.openxmlformats.org/officeDocument/2006/relationships" xmlns:p="http://schemas.openxmlformats.org/presentationml/2006/main">
+  <p:cSld>
+    <p:spTree>
+      <p:nvGrpSpPr>
+        <p:cNvPr id="1" name=""/>
+        <p:cNvGrpSpPr/>
+        <p:nvPr/>
+      </p:nvGrpSpPr>
+      <p:grpSpPr>
+        <a:xfrm>
+          <a:off x="0" y="0"/>
+          <a:ext cx="0" cy="0"/>
+          <a:chOff x="0" y="0"/>
+          <a:chExt cx="0" cy="0"/>
+        </a:xfrm>
+      </p:grpSpPr>
+      <p:sp>
+        <p:nvSpPr>
+          <p:cNvPr id="2" name="Marcador de número de diapositiva 1"/>
+          <p:cNvSpPr>
+            <a:spLocks noGrp="1"/>
+          </p:cNvSpPr>
+          <p:nvPr>
+            <p:ph type="sldNum" sz="quarter" idx="12"/>
+          </p:nvPr>
+        </p:nvSpPr>
+        <p:spPr/>
+        <p:txBody>
+          <a:bodyPr/>
+          <a:lstStyle/>
+          <a:p>
+            <a:fld id="{64BD7E74-CBD2-4D88-9109-2EA8081AE675}" type="slidenum">
+              <a:rPr lang="es-ES" smtClean="0"/>
+              <a:pPr/>
+              <a:t>5</a:t>
+            </a:fld>
+            <a:endParaRPr lang="es-ES"/>
+          </a:p>
+        </p:txBody>
+      </p:sp>
+      <p:sp>
+        <p:nvSpPr>
+          <p:cNvPr id="3" name="4 Título"/>
+          <p:cNvSpPr txBox="1">
+            <a:spLocks/>
+          </p:cNvSpPr>
+          <p:nvPr/>
+        </p:nvSpPr>
+        <p:spPr>
+          <a:xfrm>
+            <a:off x="611560" y="188640"/>
+            <a:ext cx="8784976" cy="457120"/>
+          </a:xfrm>
+          <a:prstGeom prst="rect">
+            <a:avLst/>
+          </a:prstGeom>
+        </p:spPr>
+        <p:txBody>
+          <a:bodyPr bIns="91440" anchor="b" anchorCtr="0">
+            <a:noAutofit/>
+          </a:bodyPr>
+          <a:lstStyle>
+            <a:lvl1pPr>
+              <a:spcBef>
+                <a:spcPct val="0"/>
+              </a:spcBef>
+              <a:buNone/>
+              <a:defRPr kumimoji="0" sz="2400">
+                <a:ln w="0"/>
+                <a:solidFill>
+                  <a:schemeClr val="tx2"/>
+                </a:solidFill>
+                <a:effectLst>
+                  <a:outerShdw blurRad="38100" dist="19050" dir="2700000" algn="tl" rotWithShape="0">
+                    <a:schemeClr val="dk1">
+                      <a:alpha val="40000"/>
+                    </a:schemeClr>
+                  </a:outerShdw>
+                </a:effectLst>
+                <a:latin typeface="+mj-lt"/>
+                <a:ea typeface="+mj-ea"/>
+                <a:cs typeface="+mj-cs"/>
+              </a:defRPr>
+            </a:lvl1pPr>
+          </a:lstStyle>
+          <a:p>
+            <a:r>
+              <a:rPr lang="es-PE" altLang="en-US" dirty="0"/>
+              <a:t>Modelamiento matemático</a:t>
+            </a:r>
+          </a:p>
+        </p:txBody>
+      </p:sp>
+      <p:sp>
+        <p:nvSpPr>
+          <p:cNvPr id="5" name="CuadroTexto 4"/>
+          <p:cNvSpPr txBox="1"/>
+          <p:nvPr/>
+        </p:nvSpPr>
+        <p:spPr>
+          <a:xfrm>
+            <a:off x="602191" y="836712"/>
+            <a:ext cx="8002257" cy="2246769"/>
+          </a:xfrm>
+          <a:prstGeom prst="rect">
+            <a:avLst/>
+          </a:prstGeom>
+          <a:noFill/>
+        </p:spPr>
+        <p:txBody>
+          <a:bodyPr wrap="square" rtlCol="0">
+            <a:spAutoFit/>
+          </a:bodyPr>
+          <a:lstStyle/>
+          <a:p>
+            <a:pPr marL="285750" indent="-285750">
+              <a:buFont typeface="Arial" panose="020B0604020202020204" pitchFamily="34" charset="0"/>
+              <a:buChar char="•"/>
+            </a:pPr>
+            <a:r>
+              <a:rPr lang="es-MX" sz="2000" dirty="0"/>
+              <a:t>Definición: Proceso de abstracción de la realidad hacia formas matemáticas para representar partes de ella.</a:t>
+            </a:r>
+          </a:p>
+          <a:p>
+            <a:pPr marL="285750" indent="-285750">
+              <a:buFont typeface="Arial" panose="020B0604020202020204" pitchFamily="34" charset="0"/>
+              <a:buChar char="•"/>
+            </a:pPr>
+            <a:r>
+              <a:rPr lang="es-MX" sz="2000" dirty="0"/>
+              <a:t>Entonces: </a:t>
+            </a:r>
+          </a:p>
+          <a:p>
+            <a:pPr marL="742950" lvl="1" indent="-285750">
+              <a:buFont typeface="Arial" panose="020B0604020202020204" pitchFamily="34" charset="0"/>
+              <a:buChar char="•"/>
+            </a:pPr>
+            <a:r>
+              <a:rPr lang="es-MX" sz="2000" dirty="0"/>
+              <a:t>Representación simplificada de una realidad</a:t>
+            </a:r>
+          </a:p>
+          <a:p>
+            <a:pPr marL="742950" lvl="1" indent="-285750">
+              <a:buFont typeface="Arial" panose="020B0604020202020204" pitchFamily="34" charset="0"/>
+              <a:buChar char="•"/>
+            </a:pPr>
+            <a:r>
+              <a:rPr lang="es-MX" sz="2000" dirty="0"/>
+              <a:t>Herramienta ayuda para la toma de decisiones</a:t>
+            </a:r>
+          </a:p>
+          <a:p>
+            <a:pPr marL="285750" indent="-285750">
+              <a:buFont typeface="Arial" panose="020B0604020202020204" pitchFamily="34" charset="0"/>
+              <a:buChar char="•"/>
+            </a:pPr>
+            <a:r>
+              <a:rPr lang="es-MX" sz="2000" dirty="0"/>
+              <a:t>Modelador: desarrollo del modelo.</a:t>
+            </a:r>
+          </a:p>
+          <a:p>
+            <a:pPr marL="285750" indent="-285750">
+              <a:buFont typeface="Arial" panose="020B0604020202020204" pitchFamily="34" charset="0"/>
+              <a:buChar char="•"/>
+            </a:pPr>
+            <a:r>
+              <a:rPr lang="es-MX" sz="2000" dirty="0"/>
+              <a:t>Experto: conocimiento de la realidad del problema</a:t>
+            </a:r>
+          </a:p>
+        </p:txBody>
+      </p:sp>
+      <p:sp>
+        <p:nvSpPr>
+          <p:cNvPr id="7" name="Nube 6"/>
+          <p:cNvSpPr/>
+          <p:nvPr/>
+        </p:nvSpPr>
+        <p:spPr>
+          <a:xfrm>
+            <a:off x="1187624" y="3212976"/>
+            <a:ext cx="1440160" cy="720080"/>
+          </a:xfrm>
+          <a:prstGeom prst="cloud">
+            <a:avLst/>
+          </a:prstGeom>
+        </p:spPr>
+        <p:style>
+          <a:lnRef idx="2">
+            <a:schemeClr val="accent1">
+              <a:shade val="50000"/>
+            </a:schemeClr>
+          </a:lnRef>
+          <a:fillRef idx="1">
+            <a:schemeClr val="accent1"/>
+          </a:fillRef>
+          <a:effectRef idx="0">
+            <a:schemeClr val="accent1"/>
+          </a:effectRef>
+          <a:fontRef idx="minor">
+            <a:schemeClr val="lt1"/>
+          </a:fontRef>
+        </p:style>
+        <p:txBody>
+          <a:bodyPr rtlCol="0" anchor="ctr"/>
+          <a:lstStyle/>
+          <a:p>
+            <a:pPr algn="ctr"/>
+            <a:r>
+              <a:rPr lang="es-MX" dirty="0"/>
+              <a:t>Realidad</a:t>
+            </a:r>
+            <a:endParaRPr lang="es-PE" dirty="0"/>
+          </a:p>
+        </p:txBody>
+      </p:sp>
+      <p:sp>
+        <p:nvSpPr>
+          <p:cNvPr id="6" name="Rectángulo redondeado 5"/>
+          <p:cNvSpPr/>
+          <p:nvPr/>
+        </p:nvSpPr>
+        <p:spPr>
+          <a:xfrm>
+            <a:off x="3635896" y="3245079"/>
+            <a:ext cx="1368152" cy="648072"/>
+          </a:xfrm>
+          <a:prstGeom prst="roundRect">
+            <a:avLst/>
+          </a:prstGeom>
+          <a:solidFill>
+            <a:schemeClr val="accent3">
+              <a:lumMod val="50000"/>
+            </a:schemeClr>
+          </a:solidFill>
+        </p:spPr>
+        <p:style>
+          <a:lnRef idx="2">
+            <a:schemeClr val="accent3">
+              <a:shade val="50000"/>
+            </a:schemeClr>
+          </a:lnRef>
+          <a:fillRef idx="1">
+            <a:schemeClr val="accent3"/>
+          </a:fillRef>
+          <a:effectRef idx="0">
+            <a:schemeClr val="accent3"/>
+          </a:effectRef>
+          <a:fontRef idx="minor">
+            <a:schemeClr val="lt1"/>
+          </a:fontRef>
+        </p:style>
+        <p:txBody>
+          <a:bodyPr rtlCol="0" anchor="ctr"/>
+          <a:lstStyle/>
+          <a:p>
+            <a:pPr algn="ctr"/>
+            <a:r>
+              <a:rPr lang="es-MX" dirty="0"/>
+              <a:t>Realidad asumida</a:t>
+            </a:r>
+            <a:endParaRPr lang="es-PE" dirty="0"/>
+          </a:p>
+        </p:txBody>
+      </p:sp>
+      <p:sp>
+        <p:nvSpPr>
+          <p:cNvPr id="8" name="Rectángulo redondeado 7"/>
+          <p:cNvSpPr/>
+          <p:nvPr/>
+        </p:nvSpPr>
+        <p:spPr>
+          <a:xfrm>
+            <a:off x="6012160" y="3245079"/>
+            <a:ext cx="1368152" cy="648072"/>
+          </a:xfrm>
+          <a:prstGeom prst="roundRect">
+            <a:avLst/>
+          </a:prstGeom>
+          <a:solidFill>
+            <a:schemeClr val="accent3">
+              <a:lumMod val="50000"/>
+            </a:schemeClr>
+          </a:solidFill>
+        </p:spPr>
+        <p:style>
+          <a:lnRef idx="2">
+            <a:schemeClr val="accent3">
+              <a:shade val="50000"/>
+            </a:schemeClr>
+          </a:lnRef>
+          <a:fillRef idx="1">
+            <a:schemeClr val="accent3"/>
+          </a:fillRef>
+          <a:effectRef idx="0">
+            <a:schemeClr val="accent3"/>
+          </a:effectRef>
+          <a:fontRef idx="minor">
+            <a:schemeClr val="lt1"/>
+          </a:fontRef>
+        </p:style>
+        <p:txBody>
+          <a:bodyPr rtlCol="0" anchor="ctr"/>
+          <a:lstStyle/>
+          <a:p>
+            <a:pPr algn="ctr"/>
+            <a:r>
+              <a:rPr lang="es-MX" dirty="0"/>
+              <a:t>Realidad asumida</a:t>
+            </a:r>
+            <a:endParaRPr lang="es-PE" dirty="0"/>
+          </a:p>
+        </p:txBody>
+      </p:sp>
+    </p:spTree>
+    <p:extLst>
+      <p:ext uri="{BB962C8B-B14F-4D97-AF65-F5344CB8AC3E}">
+        <p14:creationId xmlns:p14="http://schemas.microsoft.com/office/powerpoint/2010/main" val="3860848173"/>
       </p:ext>
     </p:extLst>
   </p:cSld>

--- a/1. Lectures/Introducción a la Optimización aplicada a Sistemas de Energía Eléctrica/Dia 1/2. Modelamiento e Optimización.pptx
+++ b/1. Lectures/Introducción a la Optimización aplicada a Sistemas de Energía Eléctrica/Dia 1/2. Modelamiento e Optimización.pptx
@@ -14,8 +14,8 @@
     <p:sldId id="256" r:id="rId2"/>
     <p:sldId id="393" r:id="rId3"/>
     <p:sldId id="394" r:id="rId4"/>
-    <p:sldId id="395" r:id="rId5"/>
-    <p:sldId id="396" r:id="rId6"/>
+    <p:sldId id="396" r:id="rId5"/>
+    <p:sldId id="395" r:id="rId6"/>
   </p:sldIdLst>
   <p:sldSz cx="9144000" cy="6858000" type="screen4x3"/>
   <p:notesSz cx="6858000" cy="9144000"/>
@@ -122,8 +122,8 @@
             <p14:sldId id="256"/>
             <p14:sldId id="393"/>
             <p14:sldId id="394"/>
+            <p14:sldId id="396"/>
             <p14:sldId id="395"/>
-            <p14:sldId id="396"/>
           </p14:sldIdLst>
         </p14:section>
       </p14:sectionLst>
@@ -232,7 +232,7 @@
             <a:fld id="{20597DA6-5F4F-42D3-8A01-E860A9714D40}" type="datetimeFigureOut">
               <a:rPr lang="es-ES" smtClean="0"/>
               <a:pPr/>
-              <a:t>01/03/2019</a:t>
+              <a:t>11/03/2019</a:t>
             </a:fld>
             <a:endParaRPr lang="es-ES"/>
           </a:p>
@@ -403,7 +403,7 @@
             <a:fld id="{D23D6ABD-B407-4DBB-94E4-3909D8A64036}" type="datetimeFigureOut">
               <a:rPr lang="es-ES" smtClean="0"/>
               <a:pPr/>
-              <a:t>01/03/2019</a:t>
+              <a:t>11/03/2019</a:t>
             </a:fld>
             <a:endParaRPr lang="es-ES"/>
           </a:p>
@@ -6076,45 +6076,7 @@
       </p:sp>
       <p:sp>
         <p:nvSpPr>
-          <p:cNvPr id="4" name="CuadroTexto 3"/>
-          <p:cNvSpPr txBox="1"/>
-          <p:nvPr/>
-        </p:nvSpPr>
-        <p:spPr>
-          <a:xfrm>
-            <a:off x="611560" y="5517232"/>
-            <a:ext cx="7992888" cy="1015663"/>
-          </a:xfrm>
-          <a:prstGeom prst="rect">
-            <a:avLst/>
-          </a:prstGeom>
-          <a:noFill/>
-        </p:spPr>
-        <p:txBody>
-          <a:bodyPr wrap="square" rtlCol="0">
-            <a:spAutoFit/>
-          </a:bodyPr>
-          <a:lstStyle/>
-          <a:p>
-            <a:pPr algn="ctr"/>
-            <a:r>
-              <a:rPr lang="es-MX" sz="2000" dirty="0">
-                <a:latin typeface="Lucida Calligraphy" panose="03010101010101010101" pitchFamily="66" charset="0"/>
-              </a:rPr>
-              <a:t>La relación entre el modelo y la método de solución es relativo y depende de la tecnología de la época.</a:t>
-            </a:r>
-          </a:p>
-          <a:p>
-            <a:pPr algn="ctr"/>
-            <a:endParaRPr lang="es-PE" sz="2000" dirty="0">
-              <a:latin typeface="Lucida Calligraphy" panose="03010101010101010101" pitchFamily="66" charset="0"/>
-            </a:endParaRPr>
-          </a:p>
-        </p:txBody>
-      </p:sp>
-      <p:sp>
-        <p:nvSpPr>
-          <p:cNvPr id="7" name="Nube 6"/>
+          <p:cNvPr id="7" name="Rectángulo redondeado 6"/>
           <p:cNvSpPr/>
           <p:nvPr/>
         </p:nvSpPr>
@@ -6123,7 +6085,7 @@
             <a:off x="1187624" y="3212976"/>
             <a:ext cx="1440160" cy="720080"/>
           </a:xfrm>
-          <a:prstGeom prst="cloud">
+          <a:prstGeom prst="roundRect">
             <a:avLst/>
           </a:prstGeom>
         </p:spPr>
@@ -6156,10 +6118,108 @@
           </a:p>
         </p:txBody>
       </p:sp>
+      <p:sp>
+        <p:nvSpPr>
+          <p:cNvPr id="6" name="Rectángulo redondeado 5"/>
+          <p:cNvSpPr/>
+          <p:nvPr/>
+        </p:nvSpPr>
+        <p:spPr>
+          <a:xfrm>
+            <a:off x="3635896" y="3245079"/>
+            <a:ext cx="1368152" cy="648072"/>
+          </a:xfrm>
+          <a:prstGeom prst="roundRect">
+            <a:avLst/>
+          </a:prstGeom>
+          <a:solidFill>
+            <a:schemeClr val="accent3">
+              <a:lumMod val="50000"/>
+            </a:schemeClr>
+          </a:solidFill>
+        </p:spPr>
+        <p:style>
+          <a:lnRef idx="2">
+            <a:schemeClr val="accent3">
+              <a:shade val="50000"/>
+            </a:schemeClr>
+          </a:lnRef>
+          <a:fillRef idx="1">
+            <a:schemeClr val="accent3"/>
+          </a:fillRef>
+          <a:effectRef idx="0">
+            <a:schemeClr val="accent3"/>
+          </a:effectRef>
+          <a:fontRef idx="minor">
+            <a:schemeClr val="lt1"/>
+          </a:fontRef>
+        </p:style>
+        <p:txBody>
+          <a:bodyPr rtlCol="0" anchor="ctr"/>
+          <a:lstStyle/>
+          <a:p>
+            <a:pPr algn="ctr"/>
+            <a:r>
+              <a:rPr lang="es-MX" dirty="0"/>
+              <a:t>Realidad asumida</a:t>
+            </a:r>
+            <a:endParaRPr lang="es-PE" dirty="0"/>
+          </a:p>
+        </p:txBody>
+      </p:sp>
+      <p:sp>
+        <p:nvSpPr>
+          <p:cNvPr id="8" name="Rectángulo redondeado 7"/>
+          <p:cNvSpPr/>
+          <p:nvPr/>
+        </p:nvSpPr>
+        <p:spPr>
+          <a:xfrm>
+            <a:off x="6012160" y="3245079"/>
+            <a:ext cx="1368152" cy="648072"/>
+          </a:xfrm>
+          <a:prstGeom prst="roundRect">
+            <a:avLst/>
+          </a:prstGeom>
+          <a:solidFill>
+            <a:schemeClr val="accent3">
+              <a:lumMod val="50000"/>
+            </a:schemeClr>
+          </a:solidFill>
+        </p:spPr>
+        <p:style>
+          <a:lnRef idx="2">
+            <a:schemeClr val="accent3">
+              <a:shade val="50000"/>
+            </a:schemeClr>
+          </a:lnRef>
+          <a:fillRef idx="1">
+            <a:schemeClr val="accent3"/>
+          </a:fillRef>
+          <a:effectRef idx="0">
+            <a:schemeClr val="accent3"/>
+          </a:effectRef>
+          <a:fontRef idx="minor">
+            <a:schemeClr val="lt1"/>
+          </a:fontRef>
+        </p:style>
+        <p:txBody>
+          <a:bodyPr rtlCol="0" anchor="ctr"/>
+          <a:lstStyle/>
+          <a:p>
+            <a:pPr algn="ctr"/>
+            <a:r>
+              <a:rPr lang="es-MX" dirty="0"/>
+              <a:t>Realidad asumida</a:t>
+            </a:r>
+            <a:endParaRPr lang="es-PE" dirty="0"/>
+          </a:p>
+        </p:txBody>
+      </p:sp>
     </p:spTree>
     <p:extLst>
       <p:ext uri="{BB962C8B-B14F-4D97-AF65-F5344CB8AC3E}">
-        <p14:creationId xmlns:p14="http://schemas.microsoft.com/office/powerpoint/2010/main" val="147473549"/>
+        <p14:creationId xmlns:p14="http://schemas.microsoft.com/office/powerpoint/2010/main" val="3860848173"/>
       </p:ext>
     </p:extLst>
   </p:cSld>
@@ -6351,6 +6411,44 @@
       </p:sp>
       <p:sp>
         <p:nvSpPr>
+          <p:cNvPr id="4" name="CuadroTexto 3"/>
+          <p:cNvSpPr txBox="1"/>
+          <p:nvPr/>
+        </p:nvSpPr>
+        <p:spPr>
+          <a:xfrm>
+            <a:off x="611560" y="5517232"/>
+            <a:ext cx="7992888" cy="1015663"/>
+          </a:xfrm>
+          <a:prstGeom prst="rect">
+            <a:avLst/>
+          </a:prstGeom>
+          <a:noFill/>
+        </p:spPr>
+        <p:txBody>
+          <a:bodyPr wrap="square" rtlCol="0">
+            <a:spAutoFit/>
+          </a:bodyPr>
+          <a:lstStyle/>
+          <a:p>
+            <a:pPr algn="ctr"/>
+            <a:r>
+              <a:rPr lang="es-MX" sz="2000" dirty="0">
+                <a:latin typeface="Lucida Calligraphy" panose="03010101010101010101" pitchFamily="66" charset="0"/>
+              </a:rPr>
+              <a:t>La relación entre el modelo y la método de solución es relativo y depende de la tecnología de la época.</a:t>
+            </a:r>
+          </a:p>
+          <a:p>
+            <a:pPr algn="ctr"/>
+            <a:endParaRPr lang="es-PE" sz="2000" dirty="0">
+              <a:latin typeface="Lucida Calligraphy" panose="03010101010101010101" pitchFamily="66" charset="0"/>
+            </a:endParaRPr>
+          </a:p>
+        </p:txBody>
+      </p:sp>
+      <p:sp>
+        <p:nvSpPr>
           <p:cNvPr id="7" name="Nube 6"/>
           <p:cNvSpPr/>
           <p:nvPr/>
@@ -6393,108 +6491,10 @@
           </a:p>
         </p:txBody>
       </p:sp>
-      <p:sp>
-        <p:nvSpPr>
-          <p:cNvPr id="6" name="Rectángulo redondeado 5"/>
-          <p:cNvSpPr/>
-          <p:nvPr/>
-        </p:nvSpPr>
-        <p:spPr>
-          <a:xfrm>
-            <a:off x="3635896" y="3245079"/>
-            <a:ext cx="1368152" cy="648072"/>
-          </a:xfrm>
-          <a:prstGeom prst="roundRect">
-            <a:avLst/>
-          </a:prstGeom>
-          <a:solidFill>
-            <a:schemeClr val="accent3">
-              <a:lumMod val="50000"/>
-            </a:schemeClr>
-          </a:solidFill>
-        </p:spPr>
-        <p:style>
-          <a:lnRef idx="2">
-            <a:schemeClr val="accent3">
-              <a:shade val="50000"/>
-            </a:schemeClr>
-          </a:lnRef>
-          <a:fillRef idx="1">
-            <a:schemeClr val="accent3"/>
-          </a:fillRef>
-          <a:effectRef idx="0">
-            <a:schemeClr val="accent3"/>
-          </a:effectRef>
-          <a:fontRef idx="minor">
-            <a:schemeClr val="lt1"/>
-          </a:fontRef>
-        </p:style>
-        <p:txBody>
-          <a:bodyPr rtlCol="0" anchor="ctr"/>
-          <a:lstStyle/>
-          <a:p>
-            <a:pPr algn="ctr"/>
-            <a:r>
-              <a:rPr lang="es-MX" dirty="0"/>
-              <a:t>Realidad asumida</a:t>
-            </a:r>
-            <a:endParaRPr lang="es-PE" dirty="0"/>
-          </a:p>
-        </p:txBody>
-      </p:sp>
-      <p:sp>
-        <p:nvSpPr>
-          <p:cNvPr id="8" name="Rectángulo redondeado 7"/>
-          <p:cNvSpPr/>
-          <p:nvPr/>
-        </p:nvSpPr>
-        <p:spPr>
-          <a:xfrm>
-            <a:off x="6012160" y="3245079"/>
-            <a:ext cx="1368152" cy="648072"/>
-          </a:xfrm>
-          <a:prstGeom prst="roundRect">
-            <a:avLst/>
-          </a:prstGeom>
-          <a:solidFill>
-            <a:schemeClr val="accent3">
-              <a:lumMod val="50000"/>
-            </a:schemeClr>
-          </a:solidFill>
-        </p:spPr>
-        <p:style>
-          <a:lnRef idx="2">
-            <a:schemeClr val="accent3">
-              <a:shade val="50000"/>
-            </a:schemeClr>
-          </a:lnRef>
-          <a:fillRef idx="1">
-            <a:schemeClr val="accent3"/>
-          </a:fillRef>
-          <a:effectRef idx="0">
-            <a:schemeClr val="accent3"/>
-          </a:effectRef>
-          <a:fontRef idx="minor">
-            <a:schemeClr val="lt1"/>
-          </a:fontRef>
-        </p:style>
-        <p:txBody>
-          <a:bodyPr rtlCol="0" anchor="ctr"/>
-          <a:lstStyle/>
-          <a:p>
-            <a:pPr algn="ctr"/>
-            <a:r>
-              <a:rPr lang="es-MX" dirty="0"/>
-              <a:t>Realidad asumida</a:t>
-            </a:r>
-            <a:endParaRPr lang="es-PE" dirty="0"/>
-          </a:p>
-        </p:txBody>
-      </p:sp>
     </p:spTree>
     <p:extLst>
       <p:ext uri="{BB962C8B-B14F-4D97-AF65-F5344CB8AC3E}">
-        <p14:creationId xmlns:p14="http://schemas.microsoft.com/office/powerpoint/2010/main" val="3860848173"/>
+        <p14:creationId xmlns:p14="http://schemas.microsoft.com/office/powerpoint/2010/main" val="147473549"/>
       </p:ext>
     </p:extLst>
   </p:cSld>

--- a/1. Lectures/Introducción a la Optimización aplicada a Sistemas de Energía Eléctrica/Dia 1/2. Modelamiento e Optimización.pptx
+++ b/1. Lectures/Introducción a la Optimización aplicada a Sistemas de Energía Eléctrica/Dia 1/2. Modelamiento e Optimización.pptx
@@ -6082,12 +6082,17 @@
         </p:nvSpPr>
         <p:spPr>
           <a:xfrm>
-            <a:off x="1187624" y="3212976"/>
+            <a:off x="971600" y="3389095"/>
             <a:ext cx="1440160" cy="720080"/>
           </a:xfrm>
           <a:prstGeom prst="roundRect">
             <a:avLst/>
           </a:prstGeom>
+          <a:ln>
+            <a:solidFill>
+              <a:schemeClr val="tx2"/>
+            </a:solidFill>
+          </a:ln>
         </p:spPr>
         <p:style>
           <a:lnRef idx="2">
@@ -6126,17 +6131,20 @@
         </p:nvSpPr>
         <p:spPr>
           <a:xfrm>
-            <a:off x="3635896" y="3245079"/>
+            <a:off x="3851920" y="3425099"/>
             <a:ext cx="1368152" cy="648072"/>
           </a:xfrm>
           <a:prstGeom prst="roundRect">
             <a:avLst/>
           </a:prstGeom>
           <a:solidFill>
-            <a:schemeClr val="accent3">
-              <a:lumMod val="50000"/>
-            </a:schemeClr>
+            <a:schemeClr val="accent1"/>
           </a:solidFill>
+          <a:ln>
+            <a:solidFill>
+              <a:schemeClr val="tx2"/>
+            </a:solidFill>
+          </a:ln>
         </p:spPr>
         <p:style>
           <a:lnRef idx="2">
@@ -6175,17 +6183,24 @@
         </p:nvSpPr>
         <p:spPr>
           <a:xfrm>
-            <a:off x="6012160" y="3245079"/>
+            <a:off x="6660232" y="3425099"/>
             <a:ext cx="1368152" cy="648072"/>
           </a:xfrm>
           <a:prstGeom prst="roundRect">
             <a:avLst/>
           </a:prstGeom>
           <a:solidFill>
-            <a:schemeClr val="accent3">
-              <a:lumMod val="50000"/>
+            <a:schemeClr val="accent2">
+              <a:lumMod val="75000"/>
             </a:schemeClr>
           </a:solidFill>
+          <a:ln>
+            <a:solidFill>
+              <a:schemeClr val="accent2">
+                <a:lumMod val="50000"/>
+              </a:schemeClr>
+            </a:solidFill>
+          </a:ln>
         </p:spPr>
         <p:style>
           <a:lnRef idx="2">
@@ -6210,9 +6225,629 @@
             <a:pPr algn="ctr"/>
             <a:r>
               <a:rPr lang="es-MX" dirty="0"/>
-              <a:t>Realidad asumida</a:t>
+              <a:t>Modelo</a:t>
             </a:r>
             <a:endParaRPr lang="es-PE" dirty="0"/>
+          </a:p>
+        </p:txBody>
+      </p:sp>
+      <p:sp>
+        <p:nvSpPr>
+          <p:cNvPr id="9" name="Rectángulo redondeado 8"/>
+          <p:cNvSpPr/>
+          <p:nvPr/>
+        </p:nvSpPr>
+        <p:spPr>
+          <a:xfrm>
+            <a:off x="971600" y="5085184"/>
+            <a:ext cx="1440160" cy="720080"/>
+          </a:xfrm>
+          <a:prstGeom prst="roundRect">
+            <a:avLst/>
+          </a:prstGeom>
+          <a:solidFill>
+            <a:schemeClr val="bg2">
+              <a:lumMod val="50000"/>
+            </a:schemeClr>
+          </a:solidFill>
+          <a:ln>
+            <a:solidFill>
+              <a:schemeClr val="bg2">
+                <a:lumMod val="10000"/>
+              </a:schemeClr>
+            </a:solidFill>
+          </a:ln>
+        </p:spPr>
+        <p:style>
+          <a:lnRef idx="2">
+            <a:schemeClr val="accent1">
+              <a:shade val="50000"/>
+            </a:schemeClr>
+          </a:lnRef>
+          <a:fillRef idx="1">
+            <a:schemeClr val="accent1"/>
+          </a:fillRef>
+          <a:effectRef idx="0">
+            <a:schemeClr val="accent1"/>
+          </a:effectRef>
+          <a:fontRef idx="minor">
+            <a:schemeClr val="lt1"/>
+          </a:fontRef>
+        </p:style>
+        <p:txBody>
+          <a:bodyPr rtlCol="0" anchor="ctr"/>
+          <a:lstStyle/>
+          <a:p>
+            <a:pPr algn="ctr"/>
+            <a:r>
+              <a:rPr lang="es-MX" dirty="0"/>
+              <a:t>Solución</a:t>
+            </a:r>
+            <a:r>
+              <a:rPr lang="es-PE" dirty="0"/>
+              <a:t> al problema</a:t>
+            </a:r>
+          </a:p>
+        </p:txBody>
+      </p:sp>
+      <p:sp>
+        <p:nvSpPr>
+          <p:cNvPr id="10" name="Rectángulo redondeado 9"/>
+          <p:cNvSpPr/>
+          <p:nvPr/>
+        </p:nvSpPr>
+        <p:spPr>
+          <a:xfrm>
+            <a:off x="3851920" y="5121188"/>
+            <a:ext cx="1368152" cy="648072"/>
+          </a:xfrm>
+          <a:prstGeom prst="roundRect">
+            <a:avLst/>
+          </a:prstGeom>
+          <a:solidFill>
+            <a:schemeClr val="accent1"/>
+          </a:solidFill>
+          <a:ln>
+            <a:solidFill>
+              <a:schemeClr val="tx2"/>
+            </a:solidFill>
+          </a:ln>
+        </p:spPr>
+        <p:style>
+          <a:lnRef idx="2">
+            <a:schemeClr val="accent3">
+              <a:shade val="50000"/>
+            </a:schemeClr>
+          </a:lnRef>
+          <a:fillRef idx="1">
+            <a:schemeClr val="accent3"/>
+          </a:fillRef>
+          <a:effectRef idx="0">
+            <a:schemeClr val="accent3"/>
+          </a:effectRef>
+          <a:fontRef idx="minor">
+            <a:schemeClr val="lt1"/>
+          </a:fontRef>
+        </p:style>
+        <p:txBody>
+          <a:bodyPr rtlCol="0" anchor="ctr"/>
+          <a:lstStyle/>
+          <a:p>
+            <a:pPr algn="ctr"/>
+            <a:r>
+              <a:rPr lang="es-MX" dirty="0"/>
+              <a:t>Juicios y experiencias</a:t>
+            </a:r>
+            <a:endParaRPr lang="es-PE" dirty="0"/>
+          </a:p>
+        </p:txBody>
+      </p:sp>
+      <p:sp>
+        <p:nvSpPr>
+          <p:cNvPr id="11" name="Rectángulo redondeado 10"/>
+          <p:cNvSpPr/>
+          <p:nvPr/>
+        </p:nvSpPr>
+        <p:spPr>
+          <a:xfrm>
+            <a:off x="6660232" y="5121188"/>
+            <a:ext cx="1368152" cy="648072"/>
+          </a:xfrm>
+          <a:prstGeom prst="roundRect">
+            <a:avLst/>
+          </a:prstGeom>
+          <a:solidFill>
+            <a:schemeClr val="bg2">
+              <a:lumMod val="50000"/>
+            </a:schemeClr>
+          </a:solidFill>
+          <a:ln>
+            <a:solidFill>
+              <a:schemeClr val="bg2">
+                <a:lumMod val="10000"/>
+              </a:schemeClr>
+            </a:solidFill>
+          </a:ln>
+        </p:spPr>
+        <p:style>
+          <a:lnRef idx="2">
+            <a:schemeClr val="accent3">
+              <a:shade val="50000"/>
+            </a:schemeClr>
+          </a:lnRef>
+          <a:fillRef idx="1">
+            <a:schemeClr val="accent3"/>
+          </a:fillRef>
+          <a:effectRef idx="0">
+            <a:schemeClr val="accent3"/>
+          </a:effectRef>
+          <a:fontRef idx="minor">
+            <a:schemeClr val="lt1"/>
+          </a:fontRef>
+        </p:style>
+        <p:txBody>
+          <a:bodyPr rtlCol="0" anchor="ctr"/>
+          <a:lstStyle/>
+          <a:p>
+            <a:pPr algn="ctr"/>
+            <a:r>
+              <a:rPr lang="es-MX" dirty="0"/>
+              <a:t>Solución al Modelo</a:t>
+            </a:r>
+            <a:endParaRPr lang="es-PE" dirty="0"/>
+          </a:p>
+        </p:txBody>
+      </p:sp>
+      <p:cxnSp>
+        <p:nvCxnSpPr>
+          <p:cNvPr id="12" name="Conector recto de flecha 11"/>
+          <p:cNvCxnSpPr>
+            <a:stCxn id="7" idx="3"/>
+            <a:endCxn id="6" idx="1"/>
+          </p:cNvCxnSpPr>
+          <p:nvPr/>
+        </p:nvCxnSpPr>
+        <p:spPr>
+          <a:xfrm>
+            <a:off x="2411760" y="3749135"/>
+            <a:ext cx="1440160" cy="0"/>
+          </a:xfrm>
+          <a:prstGeom prst="straightConnector1">
+            <a:avLst/>
+          </a:prstGeom>
+          <a:ln w="28575">
+            <a:tailEnd type="triangle"/>
+          </a:ln>
+        </p:spPr>
+        <p:style>
+          <a:lnRef idx="1">
+            <a:schemeClr val="dk1"/>
+          </a:lnRef>
+          <a:fillRef idx="0">
+            <a:schemeClr val="dk1"/>
+          </a:fillRef>
+          <a:effectRef idx="0">
+            <a:schemeClr val="dk1"/>
+          </a:effectRef>
+          <a:fontRef idx="minor">
+            <a:schemeClr val="tx1"/>
+          </a:fontRef>
+        </p:style>
+      </p:cxnSp>
+      <p:cxnSp>
+        <p:nvCxnSpPr>
+          <p:cNvPr id="14" name="Conector recto de flecha 13"/>
+          <p:cNvCxnSpPr>
+            <a:stCxn id="6" idx="3"/>
+            <a:endCxn id="8" idx="1"/>
+          </p:cNvCxnSpPr>
+          <p:nvPr/>
+        </p:nvCxnSpPr>
+        <p:spPr>
+          <a:xfrm>
+            <a:off x="5220072" y="3749135"/>
+            <a:ext cx="1440160" cy="0"/>
+          </a:xfrm>
+          <a:prstGeom prst="straightConnector1">
+            <a:avLst/>
+          </a:prstGeom>
+          <a:ln w="28575">
+            <a:tailEnd type="triangle"/>
+          </a:ln>
+        </p:spPr>
+        <p:style>
+          <a:lnRef idx="1">
+            <a:schemeClr val="dk1"/>
+          </a:lnRef>
+          <a:fillRef idx="0">
+            <a:schemeClr val="dk1"/>
+          </a:fillRef>
+          <a:effectRef idx="0">
+            <a:schemeClr val="dk1"/>
+          </a:effectRef>
+          <a:fontRef idx="minor">
+            <a:schemeClr val="tx1"/>
+          </a:fontRef>
+        </p:style>
+      </p:cxnSp>
+      <p:sp>
+        <p:nvSpPr>
+          <p:cNvPr id="15" name="CuadroTexto 14"/>
+          <p:cNvSpPr txBox="1"/>
+          <p:nvPr/>
+        </p:nvSpPr>
+        <p:spPr>
+          <a:xfrm>
+            <a:off x="2729742" y="3487525"/>
+            <a:ext cx="804195" cy="523220"/>
+          </a:xfrm>
+          <a:prstGeom prst="rect">
+            <a:avLst/>
+          </a:prstGeom>
+          <a:noFill/>
+        </p:spPr>
+        <p:txBody>
+          <a:bodyPr wrap="none" rtlCol="0">
+            <a:spAutoFit/>
+          </a:bodyPr>
+          <a:lstStyle/>
+          <a:p>
+            <a:pPr algn="ctr"/>
+            <a:r>
+              <a:rPr lang="es-PE" sz="1400" dirty="0"/>
+              <a:t>Variables </a:t>
+            </a:r>
+          </a:p>
+          <a:p>
+            <a:pPr algn="ctr"/>
+            <a:r>
+              <a:rPr lang="es-PE" sz="1400" dirty="0"/>
+              <a:t>relevante</a:t>
+            </a:r>
+          </a:p>
+        </p:txBody>
+      </p:sp>
+      <p:sp>
+        <p:nvSpPr>
+          <p:cNvPr id="16" name="CuadroTexto 15"/>
+          <p:cNvSpPr txBox="1"/>
+          <p:nvPr/>
+        </p:nvSpPr>
+        <p:spPr>
+          <a:xfrm>
+            <a:off x="5482334" y="3487525"/>
+            <a:ext cx="915635" cy="523220"/>
+          </a:xfrm>
+          <a:prstGeom prst="rect">
+            <a:avLst/>
+          </a:prstGeom>
+          <a:noFill/>
+        </p:spPr>
+        <p:txBody>
+          <a:bodyPr wrap="none" rtlCol="0">
+            <a:spAutoFit/>
+          </a:bodyPr>
+          <a:lstStyle/>
+          <a:p>
+            <a:pPr algn="ctr"/>
+            <a:r>
+              <a:rPr lang="es-PE" sz="1400" dirty="0"/>
+              <a:t>Relaciones </a:t>
+            </a:r>
+          </a:p>
+          <a:p>
+            <a:pPr algn="ctr"/>
+            <a:r>
+              <a:rPr lang="es-PE" sz="1400" dirty="0"/>
+              <a:t>relevante</a:t>
+            </a:r>
+          </a:p>
+        </p:txBody>
+      </p:sp>
+      <p:cxnSp>
+        <p:nvCxnSpPr>
+          <p:cNvPr id="18" name="Conector recto de flecha 17"/>
+          <p:cNvCxnSpPr>
+            <a:stCxn id="8" idx="2"/>
+            <a:endCxn id="11" idx="0"/>
+          </p:cNvCxnSpPr>
+          <p:nvPr/>
+        </p:nvCxnSpPr>
+        <p:spPr>
+          <a:xfrm>
+            <a:off x="7344308" y="4073171"/>
+            <a:ext cx="0" cy="1048017"/>
+          </a:xfrm>
+          <a:prstGeom prst="straightConnector1">
+            <a:avLst/>
+          </a:prstGeom>
+          <a:ln w="28575">
+            <a:tailEnd type="triangle"/>
+          </a:ln>
+        </p:spPr>
+        <p:style>
+          <a:lnRef idx="1">
+            <a:schemeClr val="dk1"/>
+          </a:lnRef>
+          <a:fillRef idx="0">
+            <a:schemeClr val="dk1"/>
+          </a:fillRef>
+          <a:effectRef idx="0">
+            <a:schemeClr val="dk1"/>
+          </a:effectRef>
+          <a:fontRef idx="minor">
+            <a:schemeClr val="tx1"/>
+          </a:fontRef>
+        </p:style>
+      </p:cxnSp>
+      <p:cxnSp>
+        <p:nvCxnSpPr>
+          <p:cNvPr id="20" name="Conector recto de flecha 19"/>
+          <p:cNvCxnSpPr>
+            <a:stCxn id="11" idx="1"/>
+            <a:endCxn id="10" idx="3"/>
+          </p:cNvCxnSpPr>
+          <p:nvPr/>
+        </p:nvCxnSpPr>
+        <p:spPr>
+          <a:xfrm flipH="1">
+            <a:off x="5220072" y="5445224"/>
+            <a:ext cx="1440160" cy="0"/>
+          </a:xfrm>
+          <a:prstGeom prst="straightConnector1">
+            <a:avLst/>
+          </a:prstGeom>
+          <a:ln w="28575">
+            <a:tailEnd type="triangle"/>
+          </a:ln>
+        </p:spPr>
+        <p:style>
+          <a:lnRef idx="1">
+            <a:schemeClr val="dk1"/>
+          </a:lnRef>
+          <a:fillRef idx="0">
+            <a:schemeClr val="dk1"/>
+          </a:fillRef>
+          <a:effectRef idx="0">
+            <a:schemeClr val="dk1"/>
+          </a:effectRef>
+          <a:fontRef idx="minor">
+            <a:schemeClr val="tx1"/>
+          </a:fontRef>
+        </p:style>
+      </p:cxnSp>
+      <p:cxnSp>
+        <p:nvCxnSpPr>
+          <p:cNvPr id="22" name="Conector recto de flecha 21"/>
+          <p:cNvCxnSpPr>
+            <a:stCxn id="10" idx="1"/>
+            <a:endCxn id="9" idx="3"/>
+          </p:cNvCxnSpPr>
+          <p:nvPr/>
+        </p:nvCxnSpPr>
+        <p:spPr>
+          <a:xfrm flipH="1">
+            <a:off x="2411760" y="5445224"/>
+            <a:ext cx="1440160" cy="0"/>
+          </a:xfrm>
+          <a:prstGeom prst="straightConnector1">
+            <a:avLst/>
+          </a:prstGeom>
+          <a:ln w="28575">
+            <a:tailEnd type="triangle"/>
+          </a:ln>
+        </p:spPr>
+        <p:style>
+          <a:lnRef idx="1">
+            <a:schemeClr val="dk1"/>
+          </a:lnRef>
+          <a:fillRef idx="0">
+            <a:schemeClr val="dk1"/>
+          </a:fillRef>
+          <a:effectRef idx="0">
+            <a:schemeClr val="dk1"/>
+          </a:effectRef>
+          <a:fontRef idx="minor">
+            <a:schemeClr val="tx1"/>
+          </a:fontRef>
+        </p:style>
+      </p:cxnSp>
+      <p:cxnSp>
+        <p:nvCxnSpPr>
+          <p:cNvPr id="24" name="Conector recto de flecha 23"/>
+          <p:cNvCxnSpPr>
+            <a:stCxn id="9" idx="0"/>
+            <a:endCxn id="7" idx="2"/>
+          </p:cNvCxnSpPr>
+          <p:nvPr/>
+        </p:nvCxnSpPr>
+        <p:spPr>
+          <a:xfrm flipV="1">
+            <a:off x="1691680" y="4109175"/>
+            <a:ext cx="0" cy="976009"/>
+          </a:xfrm>
+          <a:prstGeom prst="straightConnector1">
+            <a:avLst/>
+          </a:prstGeom>
+          <a:ln w="28575">
+            <a:tailEnd type="triangle"/>
+          </a:ln>
+        </p:spPr>
+        <p:style>
+          <a:lnRef idx="1">
+            <a:schemeClr val="dk1"/>
+          </a:lnRef>
+          <a:fillRef idx="0">
+            <a:schemeClr val="dk1"/>
+          </a:fillRef>
+          <a:effectRef idx="0">
+            <a:schemeClr val="dk1"/>
+          </a:effectRef>
+          <a:fontRef idx="minor">
+            <a:schemeClr val="tx1"/>
+          </a:fontRef>
+        </p:style>
+      </p:cxnSp>
+      <p:cxnSp>
+        <p:nvCxnSpPr>
+          <p:cNvPr id="26" name="Conector recto de flecha 25"/>
+          <p:cNvCxnSpPr>
+            <a:stCxn id="10" idx="0"/>
+            <a:endCxn id="6" idx="2"/>
+          </p:cNvCxnSpPr>
+          <p:nvPr/>
+        </p:nvCxnSpPr>
+        <p:spPr>
+          <a:xfrm flipV="1">
+            <a:off x="4535996" y="4073171"/>
+            <a:ext cx="0" cy="1048017"/>
+          </a:xfrm>
+          <a:prstGeom prst="straightConnector1">
+            <a:avLst/>
+          </a:prstGeom>
+          <a:ln w="28575">
+            <a:tailEnd type="triangle"/>
+          </a:ln>
+        </p:spPr>
+        <p:style>
+          <a:lnRef idx="1">
+            <a:schemeClr val="dk1"/>
+          </a:lnRef>
+          <a:fillRef idx="0">
+            <a:schemeClr val="dk1"/>
+          </a:fillRef>
+          <a:effectRef idx="0">
+            <a:schemeClr val="dk1"/>
+          </a:effectRef>
+          <a:fontRef idx="minor">
+            <a:schemeClr val="tx1"/>
+          </a:fontRef>
+        </p:style>
+      </p:cxnSp>
+      <p:sp>
+        <p:nvSpPr>
+          <p:cNvPr id="28" name="CuadroTexto 27"/>
+          <p:cNvSpPr txBox="1"/>
+          <p:nvPr/>
+        </p:nvSpPr>
+        <p:spPr>
+          <a:xfrm rot="5400000">
+            <a:off x="7153249" y="4366347"/>
+            <a:ext cx="814647" cy="461665"/>
+          </a:xfrm>
+          <a:prstGeom prst="rect">
+            <a:avLst/>
+          </a:prstGeom>
+          <a:noFill/>
+        </p:spPr>
+        <p:txBody>
+          <a:bodyPr wrap="none" rtlCol="0">
+            <a:spAutoFit/>
+          </a:bodyPr>
+          <a:lstStyle/>
+          <a:p>
+            <a:pPr algn="ctr"/>
+            <a:r>
+              <a:rPr lang="es-PE" sz="1200" dirty="0"/>
+              <a:t>Método</a:t>
+            </a:r>
+          </a:p>
+          <a:p>
+            <a:pPr algn="ctr"/>
+            <a:r>
+              <a:rPr lang="es-PE" sz="1200" dirty="0"/>
+              <a:t>de solución</a:t>
+            </a:r>
+          </a:p>
+        </p:txBody>
+      </p:sp>
+      <p:sp>
+        <p:nvSpPr>
+          <p:cNvPr id="29" name="CuadroTexto 28"/>
+          <p:cNvSpPr txBox="1"/>
+          <p:nvPr/>
+        </p:nvSpPr>
+        <p:spPr>
+          <a:xfrm>
+            <a:off x="5384426" y="5183614"/>
+            <a:ext cx="1111458" cy="307777"/>
+          </a:xfrm>
+          <a:prstGeom prst="rect">
+            <a:avLst/>
+          </a:prstGeom>
+          <a:noFill/>
+        </p:spPr>
+        <p:txBody>
+          <a:bodyPr wrap="none" rtlCol="0">
+            <a:spAutoFit/>
+          </a:bodyPr>
+          <a:lstStyle/>
+          <a:p>
+            <a:pPr algn="ctr"/>
+            <a:r>
+              <a:rPr lang="es-PE" sz="1400" dirty="0"/>
+              <a:t>Interpretación</a:t>
+            </a:r>
+          </a:p>
+        </p:txBody>
+      </p:sp>
+      <p:sp>
+        <p:nvSpPr>
+          <p:cNvPr id="30" name="CuadroTexto 29"/>
+          <p:cNvSpPr txBox="1"/>
+          <p:nvPr/>
+        </p:nvSpPr>
+        <p:spPr>
+          <a:xfrm>
+            <a:off x="2693257" y="5183614"/>
+            <a:ext cx="877164" cy="307777"/>
+          </a:xfrm>
+          <a:prstGeom prst="rect">
+            <a:avLst/>
+          </a:prstGeom>
+          <a:noFill/>
+        </p:spPr>
+        <p:txBody>
+          <a:bodyPr wrap="none" rtlCol="0">
+            <a:spAutoFit/>
+          </a:bodyPr>
+          <a:lstStyle/>
+          <a:p>
+            <a:pPr algn="ctr"/>
+            <a:r>
+              <a:rPr lang="es-PE" sz="1400" dirty="0"/>
+              <a:t>Decisiones</a:t>
+            </a:r>
+          </a:p>
+        </p:txBody>
+      </p:sp>
+      <p:sp>
+        <p:nvSpPr>
+          <p:cNvPr id="31" name="CuadroTexto 30"/>
+          <p:cNvSpPr txBox="1"/>
+          <p:nvPr/>
+        </p:nvSpPr>
+        <p:spPr>
+          <a:xfrm rot="5400000">
+            <a:off x="1287402" y="4458681"/>
+            <a:ext cx="1085554" cy="276999"/>
+          </a:xfrm>
+          <a:prstGeom prst="rect">
+            <a:avLst/>
+          </a:prstGeom>
+          <a:noFill/>
+        </p:spPr>
+        <p:txBody>
+          <a:bodyPr wrap="none" rtlCol="0">
+            <a:spAutoFit/>
+          </a:bodyPr>
+          <a:lstStyle/>
+          <a:p>
+            <a:pPr algn="ctr"/>
+            <a:r>
+              <a:rPr lang="es-PE" sz="1200" dirty="0"/>
+              <a:t>Implementación</a:t>
+            </a:r>
           </a:p>
         </p:txBody>
       </p:sp>
@@ -6321,7 +6956,7 @@
           <a:p>
             <a:r>
               <a:rPr lang="es-PE" altLang="en-US" dirty="0"/>
-              <a:t>Modelamiento matemático</a:t>
+              <a:t>Modelo vs Realidad</a:t>
             </a:r>
           </a:p>
         </p:txBody>
@@ -6335,7 +6970,7 @@
         <p:spPr>
           <a:xfrm>
             <a:off x="602191" y="836712"/>
-            <a:ext cx="8002257" cy="2246769"/>
+            <a:ext cx="8002257" cy="2862322"/>
           </a:xfrm>
           <a:prstGeom prst="rect">
             <a:avLst/>
@@ -6354,8 +6989,43 @@
             </a:pPr>
             <a:r>
               <a:rPr lang="es-MX" sz="2000" dirty="0"/>
-              <a:t>Definición: Proceso de abstracción de la realidad hacia formas matemáticas para representar partes de ella.</a:t>
-            </a:r>
+              <a:t>Menos datos y más hipótesis para obtención rápida de resultados.</a:t>
+            </a:r>
+          </a:p>
+          <a:p>
+            <a:pPr marL="285750" indent="-285750">
+              <a:buFont typeface="Arial" panose="020B0604020202020204" pitchFamily="34" charset="0"/>
+              <a:buChar char="•"/>
+            </a:pPr>
+            <a:r>
+              <a:rPr lang="es-MX" sz="2000" dirty="0"/>
+              <a:t>Definición defectuosa del problema</a:t>
+            </a:r>
+          </a:p>
+          <a:p>
+            <a:pPr marL="285750" indent="-285750">
+              <a:buFont typeface="Arial" panose="020B0604020202020204" pitchFamily="34" charset="0"/>
+              <a:buChar char="•"/>
+            </a:pPr>
+            <a:r>
+              <a:rPr lang="es-PE" sz="2000" dirty="0"/>
+              <a:t>Falta de experiencia </a:t>
+            </a:r>
+            <a:r>
+              <a:rPr lang="es-PE" sz="2000"/>
+              <a:t>y capacitación del </a:t>
+            </a:r>
+            <a:r>
+              <a:rPr lang="es-PE" sz="2000" dirty="0"/>
+              <a:t>modelador</a:t>
+            </a:r>
+          </a:p>
+          <a:p>
+            <a:pPr marL="285750" indent="-285750">
+              <a:buFont typeface="Arial" panose="020B0604020202020204" pitchFamily="34" charset="0"/>
+              <a:buChar char="•"/>
+            </a:pPr>
+            <a:endParaRPr lang="es-MX" sz="2000" dirty="0"/>
           </a:p>
           <a:p>
             <a:pPr marL="285750" indent="-285750">

--- a/1. Lectures/Introducción a la Optimización aplicada a Sistemas de Energía Eléctrica/Dia 1/2. Modelamiento e Optimización.pptx
+++ b/1. Lectures/Introducción a la Optimización aplicada a Sistemas de Energía Eléctrica/Dia 1/2. Modelamiento e Optimización.pptx
@@ -232,7 +232,7 @@
             <a:fld id="{20597DA6-5F4F-42D3-8A01-E860A9714D40}" type="datetimeFigureOut">
               <a:rPr lang="es-ES" smtClean="0"/>
               <a:pPr/>
-              <a:t>11/03/2019</a:t>
+              <a:t>12/03/2019</a:t>
             </a:fld>
             <a:endParaRPr lang="es-ES"/>
           </a:p>
@@ -299,7 +299,7 @@
             <a:fld id="{27A565BD-2940-4473-877F-C1308FF5E531}" type="slidenum">
               <a:rPr lang="es-ES" smtClean="0"/>
               <a:pPr/>
-              <a:t>‹Nº›</a:t>
+              <a:t>‹#›</a:t>
             </a:fld>
             <a:endParaRPr lang="es-ES"/>
           </a:p>
@@ -403,7 +403,7 @@
             <a:fld id="{D23D6ABD-B407-4DBB-94E4-3909D8A64036}" type="datetimeFigureOut">
               <a:rPr lang="es-ES" smtClean="0"/>
               <a:pPr/>
-              <a:t>11/03/2019</a:t>
+              <a:t>12/03/2019</a:t>
             </a:fld>
             <a:endParaRPr lang="es-ES"/>
           </a:p>
@@ -562,7 +562,7 @@
             <a:fld id="{8AD6E850-6E96-4E89-86F1-2DE46BB95531}" type="slidenum">
               <a:rPr lang="es-ES" smtClean="0"/>
               <a:pPr/>
-              <a:t>‹Nº›</a:t>
+              <a:t>‹#›</a:t>
             </a:fld>
             <a:endParaRPr lang="es-ES"/>
           </a:p>
@@ -984,7 +984,7 @@
             <a:fld id="{64BD7E74-CBD2-4D88-9109-2EA8081AE675}" type="slidenum">
               <a:rPr lang="es-ES" smtClean="0"/>
               <a:pPr/>
-              <a:t>‹Nº›</a:t>
+              <a:t>‹#›</a:t>
             </a:fld>
             <a:endParaRPr lang="es-ES"/>
           </a:p>
@@ -1414,7 +1414,7 @@
             <a:fld id="{64BD7E74-CBD2-4D88-9109-2EA8081AE675}" type="slidenum">
               <a:rPr lang="es-ES" smtClean="0"/>
               <a:pPr/>
-              <a:t>‹Nº›</a:t>
+              <a:t>‹#›</a:t>
             </a:fld>
             <a:endParaRPr lang="es-ES"/>
           </a:p>
@@ -1605,7 +1605,7 @@
             <a:fld id="{64BD7E74-CBD2-4D88-9109-2EA8081AE675}" type="slidenum">
               <a:rPr lang="es-ES" smtClean="0"/>
               <a:pPr/>
-              <a:t>‹Nº›</a:t>
+              <a:t>‹#›</a:t>
             </a:fld>
             <a:endParaRPr lang="es-ES"/>
           </a:p>
@@ -1743,7 +1743,7 @@
             <a:fld id="{64BD7E74-CBD2-4D88-9109-2EA8081AE675}" type="slidenum">
               <a:rPr lang="es-ES" smtClean="0"/>
               <a:pPr/>
-              <a:t>‹Nº›</a:t>
+              <a:t>‹#›</a:t>
             </a:fld>
             <a:endParaRPr lang="es-ES"/>
           </a:p>
@@ -2264,7 +2264,7 @@
             <a:fld id="{64BD7E74-CBD2-4D88-9109-2EA8081AE675}" type="slidenum">
               <a:rPr lang="es-ES" smtClean="0"/>
               <a:pPr/>
-              <a:t>‹Nº›</a:t>
+              <a:t>‹#›</a:t>
             </a:fld>
             <a:endParaRPr lang="es-ES"/>
           </a:p>
@@ -2393,7 +2393,7 @@
             <a:fld id="{64BD7E74-CBD2-4D88-9109-2EA8081AE675}" type="slidenum">
               <a:rPr lang="es-ES" smtClean="0"/>
               <a:pPr/>
-              <a:t>‹Nº›</a:t>
+              <a:t>‹#›</a:t>
             </a:fld>
             <a:endParaRPr lang="es-ES"/>
           </a:p>
@@ -2771,7 +2771,7 @@
             <a:fld id="{64BD7E74-CBD2-4D88-9109-2EA8081AE675}" type="slidenum">
               <a:rPr lang="es-ES" smtClean="0"/>
               <a:pPr/>
-              <a:t>‹Nº›</a:t>
+              <a:t>‹#›</a:t>
             </a:fld>
             <a:endParaRPr lang="es-ES"/>
           </a:p>
@@ -3024,7 +3024,7 @@
             <a:fld id="{64BD7E74-CBD2-4D88-9109-2EA8081AE675}" type="slidenum">
               <a:rPr lang="es-ES" smtClean="0"/>
               <a:pPr/>
-              <a:t>‹Nº›</a:t>
+              <a:t>‹#›</a:t>
             </a:fld>
             <a:endParaRPr lang="es-ES"/>
           </a:p>
@@ -3160,7 +3160,7 @@
             <a:fld id="{64BD7E74-CBD2-4D88-9109-2EA8081AE675}" type="slidenum">
               <a:rPr lang="es-ES" smtClean="0"/>
               <a:pPr/>
-              <a:t>‹Nº›</a:t>
+              <a:t>‹#›</a:t>
             </a:fld>
             <a:endParaRPr lang="es-ES"/>
           </a:p>
@@ -3443,7 +3443,7 @@
             <a:fld id="{64BD7E74-CBD2-4D88-9109-2EA8081AE675}" type="slidenum">
               <a:rPr lang="es-ES" smtClean="0"/>
               <a:pPr/>
-              <a:t>‹Nº›</a:t>
+              <a:t>‹#›</a:t>
             </a:fld>
             <a:endParaRPr lang="es-ES"/>
           </a:p>
@@ -3692,7 +3692,7 @@
             <a:fld id="{64BD7E74-CBD2-4D88-9109-2EA8081AE675}" type="slidenum">
               <a:rPr lang="es-ES" smtClean="0"/>
               <a:pPr/>
-              <a:t>‹Nº›</a:t>
+              <a:t>‹#›</a:t>
             </a:fld>
             <a:endParaRPr lang="es-ES"/>
           </a:p>
@@ -4164,7 +4164,7 @@
             <a:fld id="{64BD7E74-CBD2-4D88-9109-2EA8081AE675}" type="slidenum">
               <a:rPr lang="es-ES" smtClean="0"/>
               <a:pPr/>
-              <a:t>‹Nº›</a:t>
+              <a:t>‹#›</a:t>
             </a:fld>
             <a:endParaRPr lang="es-ES" dirty="0"/>
           </a:p>
@@ -4675,7 +4675,7 @@
                 </a:solidFill>
                 <a:latin typeface="Bookman Old Style" panose="02050604050505020204" pitchFamily="18" charset="0"/>
               </a:rPr>
-              <a:t>Modelamiento e Optimización</a:t>
+              <a:t>Modelamiento y Optimización</a:t>
             </a:r>
             <a:endParaRPr lang="es-PE" sz="2400" cap="small" dirty="0">
               <a:solidFill>
@@ -7125,7 +7125,7 @@
         </p:nvSpPr>
         <p:spPr>
           <a:xfrm>
-            <a:off x="1187624" y="3212976"/>
+            <a:off x="2123728" y="3964745"/>
             <a:ext cx="1440160" cy="720080"/>
           </a:xfrm>
           <a:prstGeom prst="cloud">

--- a/1. Lectures/Introducción a la Optimización aplicada a Sistemas de Energía Eléctrica/Dia 1/2. Modelamiento e Optimización.pptx
+++ b/1. Lectures/Introducción a la Optimización aplicada a Sistemas de Energía Eléctrica/Dia 1/2. Modelamiento e Optimización.pptx
@@ -5,17 +5,18 @@
     <p:sldMasterId id="2147483732" r:id="rId1"/>
   </p:sldMasterIdLst>
   <p:notesMasterIdLst>
-    <p:notesMasterId r:id="rId7"/>
+    <p:notesMasterId r:id="rId8"/>
   </p:notesMasterIdLst>
   <p:handoutMasterIdLst>
-    <p:handoutMasterId r:id="rId8"/>
+    <p:handoutMasterId r:id="rId9"/>
   </p:handoutMasterIdLst>
   <p:sldIdLst>
     <p:sldId id="256" r:id="rId2"/>
     <p:sldId id="393" r:id="rId3"/>
     <p:sldId id="394" r:id="rId4"/>
-    <p:sldId id="396" r:id="rId5"/>
-    <p:sldId id="395" r:id="rId6"/>
+    <p:sldId id="397" r:id="rId5"/>
+    <p:sldId id="396" r:id="rId6"/>
+    <p:sldId id="395" r:id="rId7"/>
   </p:sldIdLst>
   <p:sldSz cx="9144000" cy="6858000" type="screen4x3"/>
   <p:notesSz cx="6858000" cy="9144000"/>
@@ -122,6 +123,7 @@
             <p14:sldId id="256"/>
             <p14:sldId id="393"/>
             <p14:sldId id="394"/>
+            <p14:sldId id="397"/>
             <p14:sldId id="396"/>
             <p14:sldId id="395"/>
           </p14:sldIdLst>
@@ -232,7 +234,7 @@
             <a:fld id="{20597DA6-5F4F-42D3-8A01-E860A9714D40}" type="datetimeFigureOut">
               <a:rPr lang="es-ES" smtClean="0"/>
               <a:pPr/>
-              <a:t>11/03/2019</a:t>
+              <a:t>12/03/2019</a:t>
             </a:fld>
             <a:endParaRPr lang="es-ES"/>
           </a:p>
@@ -403,7 +405,7 @@
             <a:fld id="{D23D6ABD-B407-4DBB-94E4-3909D8A64036}" type="datetimeFigureOut">
               <a:rPr lang="es-ES" smtClean="0"/>
               <a:pPr/>
-              <a:t>11/03/2019</a:t>
+              <a:t>12/03/2019</a:t>
             </a:fld>
             <a:endParaRPr lang="es-ES"/>
           </a:p>
@@ -5986,875 +5988,1193 @@
           <a:p>
             <a:r>
               <a:rPr lang="es-PE" altLang="en-US" dirty="0"/>
-              <a:t>Modelamiento matemático</a:t>
-            </a:r>
-          </a:p>
-        </p:txBody>
-      </p:sp>
-      <p:sp>
-        <p:nvSpPr>
-          <p:cNvPr id="5" name="CuadroTexto 4"/>
-          <p:cNvSpPr txBox="1"/>
+              <a:t>Ejemplo 3 : Despacho económico</a:t>
+            </a:r>
+          </a:p>
+        </p:txBody>
+      </p:sp>
+      <mc:AlternateContent xmlns:mc="http://schemas.openxmlformats.org/markup-compatibility/2006">
+        <mc:Choice xmlns:a14="http://schemas.microsoft.com/office/drawing/2010/main" Requires="a14">
+          <p:sp>
+            <p:nvSpPr>
+              <p:cNvPr id="5" name="CuadroTexto 4"/>
+              <p:cNvSpPr txBox="1"/>
+              <p:nvPr/>
+            </p:nvSpPr>
+            <p:spPr>
+              <a:xfrm>
+                <a:off x="602191" y="1025441"/>
+                <a:ext cx="8002257" cy="1323439"/>
+              </a:xfrm>
+              <a:prstGeom prst="rect">
+                <a:avLst/>
+              </a:prstGeom>
+              <a:noFill/>
+            </p:spPr>
+            <p:txBody>
+              <a:bodyPr wrap="square" rtlCol="0">
+                <a:spAutoFit/>
+              </a:bodyPr>
+              <a:lstStyle/>
+              <a:p>
+                <a:pPr marL="285750" indent="-285750">
+                  <a:buFont typeface="Arial" panose="020B0604020202020204" pitchFamily="34" charset="0"/>
+                  <a:buChar char="•"/>
+                </a:pPr>
+                <a:r>
+                  <a:rPr lang="es-MX" sz="2000" dirty="0"/>
+                  <a:t>Abastecer la demanda de energía</a:t>
+                </a:r>
+                <a:r>
+                  <a:rPr lang="es-PE" sz="2000" dirty="0"/>
+                  <a:t> eléctrica. </a:t>
+                </a:r>
+                <a14:m>
+                  <m:oMath xmlns:m="http://schemas.openxmlformats.org/officeDocument/2006/math">
+                    <m:r>
+                      <a:rPr lang="es-PE" sz="2000" b="0" i="1" smtClean="0">
+                        <a:latin typeface="Cambria Math" panose="02040503050406030204" pitchFamily="18" charset="0"/>
+                      </a:rPr>
+                      <m:t>𝐷</m:t>
+                    </m:r>
+                    <m:r>
+                      <a:rPr lang="es-PE" sz="2000" b="0" i="1" smtClean="0">
+                        <a:latin typeface="Cambria Math" panose="02040503050406030204" pitchFamily="18" charset="0"/>
+                      </a:rPr>
+                      <m:t>=1500</m:t>
+                    </m:r>
+                  </m:oMath>
+                </a14:m>
+                <a:endParaRPr lang="es-MX" sz="2000" dirty="0"/>
+              </a:p>
+              <a:p>
+                <a:pPr marL="285750" indent="-285750">
+                  <a:buFont typeface="Arial" panose="020B0604020202020204" pitchFamily="34" charset="0"/>
+                  <a:buChar char="•"/>
+                </a:pPr>
+                <a:r>
+                  <a:rPr lang="es-MX" sz="2000" dirty="0"/>
+                  <a:t>2 generadores termoeléctricos</a:t>
+                </a:r>
+              </a:p>
+              <a:p>
+                <a:pPr marL="285750" indent="-285750">
+                  <a:buFont typeface="Arial" panose="020B0604020202020204" pitchFamily="34" charset="0"/>
+                  <a:buChar char="•"/>
+                </a:pPr>
+                <a:r>
+                  <a:rPr lang="es-MX" sz="2000" dirty="0"/>
+                  <a:t>1 generador eólico</a:t>
+                </a:r>
+              </a:p>
+              <a:p>
+                <a:pPr marL="285750" indent="-285750">
+                  <a:buFont typeface="Arial" panose="020B0604020202020204" pitchFamily="34" charset="0"/>
+                  <a:buChar char="•"/>
+                </a:pPr>
+                <a:r>
+                  <a:rPr lang="es-MX" sz="2000" dirty="0"/>
+                  <a:t>¿Minimizar el costo de producción de energía eléctrica?  </a:t>
+                </a:r>
+                <a:endParaRPr lang="es-PE" sz="2000" dirty="0"/>
+              </a:p>
+            </p:txBody>
+          </p:sp>
+        </mc:Choice>
+        <mc:Fallback>
+          <p:sp>
+            <p:nvSpPr>
+              <p:cNvPr id="5" name="CuadroTexto 4"/>
+              <p:cNvSpPr txBox="1">
+                <a:spLocks noRot="1" noChangeAspect="1" noMove="1" noResize="1" noEditPoints="1" noAdjustHandles="1" noChangeArrowheads="1" noChangeShapeType="1" noTextEdit="1"/>
+              </p:cNvSpPr>
+              <p:nvPr/>
+            </p:nvSpPr>
+            <p:spPr>
+              <a:xfrm>
+                <a:off x="602191" y="1025441"/>
+                <a:ext cx="8002257" cy="1323439"/>
+              </a:xfrm>
+              <a:prstGeom prst="rect">
+                <a:avLst/>
+              </a:prstGeom>
+              <a:blipFill>
+                <a:blip r:embed="rId2"/>
+                <a:stretch>
+                  <a:fillRect l="-686" t="-2765" b="-7834"/>
+                </a:stretch>
+              </a:blipFill>
+            </p:spPr>
+            <p:txBody>
+              <a:bodyPr/>
+              <a:lstStyle/>
+              <a:p>
+                <a:r>
+                  <a:rPr lang="es-PE">
+                    <a:noFill/>
+                  </a:rPr>
+                  <a:t> </a:t>
+                </a:r>
+              </a:p>
+            </p:txBody>
+          </p:sp>
+        </mc:Fallback>
+      </mc:AlternateContent>
+      <p:pic>
+        <p:nvPicPr>
+          <p:cNvPr id="7" name="Imagen 6"/>
+          <p:cNvPicPr>
+            <a:picLocks noChangeAspect="1"/>
+          </p:cNvPicPr>
           <p:nvPr/>
-        </p:nvSpPr>
-        <p:spPr>
-          <a:xfrm>
-            <a:off x="602191" y="836712"/>
-            <a:ext cx="8002257" cy="2246769"/>
+        </p:nvPicPr>
+        <p:blipFill>
+          <a:blip r:embed="rId3" cstate="print">
+            <a:extLst>
+              <a:ext uri="{28A0092B-C50C-407E-A947-70E740481C1C}">
+                <a14:useLocalDpi xmlns:a14="http://schemas.microsoft.com/office/drawing/2010/main" val="0"/>
+              </a:ext>
+            </a:extLst>
+          </a:blip>
+          <a:stretch>
+            <a:fillRect/>
+          </a:stretch>
+        </p:blipFill>
+        <p:spPr>
+          <a:xfrm>
+            <a:off x="5652120" y="3356992"/>
+            <a:ext cx="2057005" cy="1800200"/>
           </a:xfrm>
           <a:prstGeom prst="rect">
             <a:avLst/>
           </a:prstGeom>
-          <a:noFill/>
-        </p:spPr>
-        <p:txBody>
-          <a:bodyPr wrap="square" rtlCol="0">
-            <a:spAutoFit/>
-          </a:bodyPr>
-          <a:lstStyle/>
-          <a:p>
-            <a:pPr marL="285750" indent="-285750">
-              <a:buFont typeface="Arial" panose="020B0604020202020204" pitchFamily="34" charset="0"/>
-              <a:buChar char="•"/>
-            </a:pPr>
-            <a:r>
-              <a:rPr lang="es-MX" sz="2000" dirty="0"/>
-              <a:t>Definición: Proceso de abstracción de la realidad hacia formas matemáticas para representar partes de ella.</a:t>
-            </a:r>
-          </a:p>
-          <a:p>
-            <a:pPr marL="285750" indent="-285750">
-              <a:buFont typeface="Arial" panose="020B0604020202020204" pitchFamily="34" charset="0"/>
-              <a:buChar char="•"/>
-            </a:pPr>
-            <a:r>
-              <a:rPr lang="es-MX" sz="2000" dirty="0"/>
-              <a:t>Entonces: </a:t>
-            </a:r>
-          </a:p>
-          <a:p>
-            <a:pPr marL="742950" lvl="1" indent="-285750">
-              <a:buFont typeface="Arial" panose="020B0604020202020204" pitchFamily="34" charset="0"/>
-              <a:buChar char="•"/>
-            </a:pPr>
-            <a:r>
-              <a:rPr lang="es-MX" sz="2000" dirty="0"/>
-              <a:t>Representación simplificada de una realidad</a:t>
-            </a:r>
-          </a:p>
-          <a:p>
-            <a:pPr marL="742950" lvl="1" indent="-285750">
-              <a:buFont typeface="Arial" panose="020B0604020202020204" pitchFamily="34" charset="0"/>
-              <a:buChar char="•"/>
-            </a:pPr>
-            <a:r>
-              <a:rPr lang="es-MX" sz="2000" dirty="0"/>
-              <a:t>Herramienta ayuda para la toma de decisiones</a:t>
-            </a:r>
-          </a:p>
-          <a:p>
-            <a:pPr marL="285750" indent="-285750">
-              <a:buFont typeface="Arial" panose="020B0604020202020204" pitchFamily="34" charset="0"/>
-              <a:buChar char="•"/>
-            </a:pPr>
-            <a:r>
-              <a:rPr lang="es-MX" sz="2000" dirty="0"/>
-              <a:t>Modelador: desarrollo del modelo.</a:t>
-            </a:r>
-          </a:p>
-          <a:p>
-            <a:pPr marL="285750" indent="-285750">
-              <a:buFont typeface="Arial" panose="020B0604020202020204" pitchFamily="34" charset="0"/>
-              <a:buChar char="•"/>
-            </a:pPr>
-            <a:r>
-              <a:rPr lang="es-MX" sz="2000" dirty="0"/>
-              <a:t>Experto: conocimiento de la realidad del problema</a:t>
-            </a:r>
-          </a:p>
-        </p:txBody>
-      </p:sp>
-      <p:sp>
-        <p:nvSpPr>
-          <p:cNvPr id="7" name="Rectángulo redondeado 6"/>
-          <p:cNvSpPr/>
-          <p:nvPr/>
-        </p:nvSpPr>
-        <p:spPr>
-          <a:xfrm>
-            <a:off x="971600" y="3389095"/>
-            <a:ext cx="1440160" cy="720080"/>
-          </a:xfrm>
-          <a:prstGeom prst="roundRect">
-            <a:avLst/>
-          </a:prstGeom>
-          <a:ln>
-            <a:solidFill>
-              <a:schemeClr val="tx2"/>
-            </a:solidFill>
-          </a:ln>
-        </p:spPr>
-        <p:style>
-          <a:lnRef idx="2">
-            <a:schemeClr val="accent1">
-              <a:shade val="50000"/>
-            </a:schemeClr>
-          </a:lnRef>
-          <a:fillRef idx="1">
-            <a:schemeClr val="accent1"/>
-          </a:fillRef>
-          <a:effectRef idx="0">
-            <a:schemeClr val="accent1"/>
-          </a:effectRef>
-          <a:fontRef idx="minor">
-            <a:schemeClr val="lt1"/>
-          </a:fontRef>
-        </p:style>
-        <p:txBody>
-          <a:bodyPr rtlCol="0" anchor="ctr"/>
-          <a:lstStyle/>
-          <a:p>
-            <a:pPr algn="ctr"/>
-            <a:r>
-              <a:rPr lang="es-MX" dirty="0"/>
-              <a:t>Realidad</a:t>
-            </a:r>
-            <a:endParaRPr lang="es-PE" dirty="0"/>
-          </a:p>
-        </p:txBody>
-      </p:sp>
-      <p:sp>
-        <p:nvSpPr>
-          <p:cNvPr id="6" name="Rectángulo redondeado 5"/>
-          <p:cNvSpPr/>
-          <p:nvPr/>
-        </p:nvSpPr>
-        <p:spPr>
-          <a:xfrm>
-            <a:off x="3851920" y="3425099"/>
-            <a:ext cx="1368152" cy="648072"/>
-          </a:xfrm>
-          <a:prstGeom prst="roundRect">
-            <a:avLst/>
-          </a:prstGeom>
-          <a:solidFill>
-            <a:schemeClr val="accent1"/>
-          </a:solidFill>
-          <a:ln>
-            <a:solidFill>
-              <a:schemeClr val="tx2"/>
-            </a:solidFill>
-          </a:ln>
-        </p:spPr>
-        <p:style>
-          <a:lnRef idx="2">
-            <a:schemeClr val="accent3">
-              <a:shade val="50000"/>
-            </a:schemeClr>
-          </a:lnRef>
-          <a:fillRef idx="1">
-            <a:schemeClr val="accent3"/>
-          </a:fillRef>
-          <a:effectRef idx="0">
-            <a:schemeClr val="accent3"/>
-          </a:effectRef>
-          <a:fontRef idx="minor">
-            <a:schemeClr val="lt1"/>
-          </a:fontRef>
-        </p:style>
-        <p:txBody>
-          <a:bodyPr rtlCol="0" anchor="ctr"/>
-          <a:lstStyle/>
-          <a:p>
-            <a:pPr algn="ctr"/>
-            <a:r>
-              <a:rPr lang="es-MX" dirty="0"/>
-              <a:t>Realidad asumida</a:t>
-            </a:r>
-            <a:endParaRPr lang="es-PE" dirty="0"/>
-          </a:p>
-        </p:txBody>
-      </p:sp>
-      <p:sp>
-        <p:nvSpPr>
-          <p:cNvPr id="8" name="Rectángulo redondeado 7"/>
-          <p:cNvSpPr/>
-          <p:nvPr/>
-        </p:nvSpPr>
-        <p:spPr>
-          <a:xfrm>
-            <a:off x="6660232" y="3425099"/>
-            <a:ext cx="1368152" cy="648072"/>
-          </a:xfrm>
-          <a:prstGeom prst="roundRect">
-            <a:avLst/>
-          </a:prstGeom>
-          <a:solidFill>
-            <a:schemeClr val="accent2">
-              <a:lumMod val="75000"/>
-            </a:schemeClr>
-          </a:solidFill>
-          <a:ln>
-            <a:solidFill>
-              <a:schemeClr val="accent2">
-                <a:lumMod val="50000"/>
-              </a:schemeClr>
-            </a:solidFill>
-          </a:ln>
-        </p:spPr>
-        <p:style>
-          <a:lnRef idx="2">
-            <a:schemeClr val="accent3">
-              <a:shade val="50000"/>
-            </a:schemeClr>
-          </a:lnRef>
-          <a:fillRef idx="1">
-            <a:schemeClr val="accent3"/>
-          </a:fillRef>
-          <a:effectRef idx="0">
-            <a:schemeClr val="accent3"/>
-          </a:effectRef>
-          <a:fontRef idx="minor">
-            <a:schemeClr val="lt1"/>
-          </a:fontRef>
-        </p:style>
-        <p:txBody>
-          <a:bodyPr rtlCol="0" anchor="ctr"/>
-          <a:lstStyle/>
-          <a:p>
-            <a:pPr algn="ctr"/>
-            <a:r>
-              <a:rPr lang="es-MX" dirty="0"/>
-              <a:t>Modelo</a:t>
-            </a:r>
-            <a:endParaRPr lang="es-PE" dirty="0"/>
-          </a:p>
-        </p:txBody>
-      </p:sp>
-      <p:sp>
-        <p:nvSpPr>
-          <p:cNvPr id="9" name="Rectángulo redondeado 8"/>
-          <p:cNvSpPr/>
-          <p:nvPr/>
-        </p:nvSpPr>
-        <p:spPr>
-          <a:xfrm>
-            <a:off x="971600" y="5085184"/>
-            <a:ext cx="1440160" cy="720080"/>
-          </a:xfrm>
-          <a:prstGeom prst="roundRect">
-            <a:avLst/>
-          </a:prstGeom>
-          <a:solidFill>
-            <a:schemeClr val="bg2">
-              <a:lumMod val="50000"/>
-            </a:schemeClr>
-          </a:solidFill>
-          <a:ln>
-            <a:solidFill>
-              <a:schemeClr val="bg2">
-                <a:lumMod val="10000"/>
-              </a:schemeClr>
-            </a:solidFill>
-          </a:ln>
-        </p:spPr>
-        <p:style>
-          <a:lnRef idx="2">
-            <a:schemeClr val="accent1">
-              <a:shade val="50000"/>
-            </a:schemeClr>
-          </a:lnRef>
-          <a:fillRef idx="1">
-            <a:schemeClr val="accent1"/>
-          </a:fillRef>
-          <a:effectRef idx="0">
-            <a:schemeClr val="accent1"/>
-          </a:effectRef>
-          <a:fontRef idx="minor">
-            <a:schemeClr val="lt1"/>
-          </a:fontRef>
-        </p:style>
-        <p:txBody>
-          <a:bodyPr rtlCol="0" anchor="ctr"/>
-          <a:lstStyle/>
-          <a:p>
-            <a:pPr algn="ctr"/>
-            <a:r>
-              <a:rPr lang="es-MX" dirty="0"/>
-              <a:t>Solución</a:t>
-            </a:r>
-            <a:r>
-              <a:rPr lang="es-PE" dirty="0"/>
-              <a:t> al problema</a:t>
-            </a:r>
-          </a:p>
-        </p:txBody>
-      </p:sp>
-      <p:sp>
-        <p:nvSpPr>
-          <p:cNvPr id="10" name="Rectángulo redondeado 9"/>
-          <p:cNvSpPr/>
-          <p:nvPr/>
-        </p:nvSpPr>
-        <p:spPr>
-          <a:xfrm>
-            <a:off x="3851920" y="5121188"/>
-            <a:ext cx="1368152" cy="648072"/>
-          </a:xfrm>
-          <a:prstGeom prst="roundRect">
-            <a:avLst/>
-          </a:prstGeom>
-          <a:solidFill>
-            <a:schemeClr val="accent1"/>
-          </a:solidFill>
-          <a:ln>
-            <a:solidFill>
-              <a:schemeClr val="tx2"/>
-            </a:solidFill>
-          </a:ln>
-        </p:spPr>
-        <p:style>
-          <a:lnRef idx="2">
-            <a:schemeClr val="accent3">
-              <a:shade val="50000"/>
-            </a:schemeClr>
-          </a:lnRef>
-          <a:fillRef idx="1">
-            <a:schemeClr val="accent3"/>
-          </a:fillRef>
-          <a:effectRef idx="0">
-            <a:schemeClr val="accent3"/>
-          </a:effectRef>
-          <a:fontRef idx="minor">
-            <a:schemeClr val="lt1"/>
-          </a:fontRef>
-        </p:style>
-        <p:txBody>
-          <a:bodyPr rtlCol="0" anchor="ctr"/>
-          <a:lstStyle/>
-          <a:p>
-            <a:pPr algn="ctr"/>
-            <a:r>
-              <a:rPr lang="es-MX" dirty="0"/>
-              <a:t>Juicios y experiencias</a:t>
-            </a:r>
-            <a:endParaRPr lang="es-PE" dirty="0"/>
-          </a:p>
-        </p:txBody>
-      </p:sp>
-      <p:sp>
-        <p:nvSpPr>
-          <p:cNvPr id="11" name="Rectángulo redondeado 10"/>
-          <p:cNvSpPr/>
-          <p:nvPr/>
-        </p:nvSpPr>
-        <p:spPr>
-          <a:xfrm>
-            <a:off x="6660232" y="5121188"/>
-            <a:ext cx="1368152" cy="648072"/>
-          </a:xfrm>
-          <a:prstGeom prst="roundRect">
-            <a:avLst/>
-          </a:prstGeom>
-          <a:solidFill>
-            <a:schemeClr val="bg2">
-              <a:lumMod val="50000"/>
-            </a:schemeClr>
-          </a:solidFill>
-          <a:ln>
-            <a:solidFill>
-              <a:schemeClr val="bg2">
-                <a:lumMod val="10000"/>
-              </a:schemeClr>
-            </a:solidFill>
-          </a:ln>
-        </p:spPr>
-        <p:style>
-          <a:lnRef idx="2">
-            <a:schemeClr val="accent3">
-              <a:shade val="50000"/>
-            </a:schemeClr>
-          </a:lnRef>
-          <a:fillRef idx="1">
-            <a:schemeClr val="accent3"/>
-          </a:fillRef>
-          <a:effectRef idx="0">
-            <a:schemeClr val="accent3"/>
-          </a:effectRef>
-          <a:fontRef idx="minor">
-            <a:schemeClr val="lt1"/>
-          </a:fontRef>
-        </p:style>
-        <p:txBody>
-          <a:bodyPr rtlCol="0" anchor="ctr"/>
-          <a:lstStyle/>
-          <a:p>
-            <a:pPr algn="ctr"/>
-            <a:r>
-              <a:rPr lang="es-MX" dirty="0"/>
-              <a:t>Solución al Modelo</a:t>
-            </a:r>
-            <a:endParaRPr lang="es-PE" dirty="0"/>
-          </a:p>
-        </p:txBody>
-      </p:sp>
-      <p:cxnSp>
-        <p:nvCxnSpPr>
-          <p:cNvPr id="12" name="Conector recto de flecha 11"/>
-          <p:cNvCxnSpPr>
-            <a:stCxn id="7" idx="3"/>
-            <a:endCxn id="6" idx="1"/>
-          </p:cNvCxnSpPr>
-          <p:nvPr/>
-        </p:nvCxnSpPr>
-        <p:spPr>
-          <a:xfrm>
-            <a:off x="2411760" y="3749135"/>
-            <a:ext cx="1440160" cy="0"/>
-          </a:xfrm>
-          <a:prstGeom prst="straightConnector1">
-            <a:avLst/>
-          </a:prstGeom>
-          <a:ln w="28575">
-            <a:tailEnd type="triangle"/>
-          </a:ln>
-        </p:spPr>
-        <p:style>
-          <a:lnRef idx="1">
-            <a:schemeClr val="dk1"/>
-          </a:lnRef>
-          <a:fillRef idx="0">
-            <a:schemeClr val="dk1"/>
-          </a:fillRef>
-          <a:effectRef idx="0">
-            <a:schemeClr val="dk1"/>
-          </a:effectRef>
-          <a:fontRef idx="minor">
-            <a:schemeClr val="tx1"/>
-          </a:fontRef>
-        </p:style>
-      </p:cxnSp>
-      <p:cxnSp>
-        <p:nvCxnSpPr>
-          <p:cNvPr id="14" name="Conector recto de flecha 13"/>
-          <p:cNvCxnSpPr>
-            <a:stCxn id="6" idx="3"/>
-            <a:endCxn id="8" idx="1"/>
-          </p:cNvCxnSpPr>
-          <p:nvPr/>
-        </p:nvCxnSpPr>
-        <p:spPr>
-          <a:xfrm>
-            <a:off x="5220072" y="3749135"/>
-            <a:ext cx="1440160" cy="0"/>
-          </a:xfrm>
-          <a:prstGeom prst="straightConnector1">
-            <a:avLst/>
-          </a:prstGeom>
-          <a:ln w="28575">
-            <a:tailEnd type="triangle"/>
-          </a:ln>
-        </p:spPr>
-        <p:style>
-          <a:lnRef idx="1">
-            <a:schemeClr val="dk1"/>
-          </a:lnRef>
-          <a:fillRef idx="0">
-            <a:schemeClr val="dk1"/>
-          </a:fillRef>
-          <a:effectRef idx="0">
-            <a:schemeClr val="dk1"/>
-          </a:effectRef>
-          <a:fontRef idx="minor">
-            <a:schemeClr val="tx1"/>
-          </a:fontRef>
-        </p:style>
-      </p:cxnSp>
-      <p:sp>
-        <p:nvSpPr>
-          <p:cNvPr id="15" name="CuadroTexto 14"/>
-          <p:cNvSpPr txBox="1"/>
-          <p:nvPr/>
-        </p:nvSpPr>
-        <p:spPr>
-          <a:xfrm>
-            <a:off x="2729742" y="3487525"/>
-            <a:ext cx="804195" cy="523220"/>
-          </a:xfrm>
-          <a:prstGeom prst="rect">
-            <a:avLst/>
-          </a:prstGeom>
-          <a:noFill/>
-        </p:spPr>
-        <p:txBody>
-          <a:bodyPr wrap="none" rtlCol="0">
-            <a:spAutoFit/>
-          </a:bodyPr>
-          <a:lstStyle/>
-          <a:p>
-            <a:pPr algn="ctr"/>
-            <a:r>
-              <a:rPr lang="es-PE" sz="1400" dirty="0"/>
-              <a:t>Variables </a:t>
-            </a:r>
-          </a:p>
-          <a:p>
-            <a:pPr algn="ctr"/>
-            <a:r>
-              <a:rPr lang="es-PE" sz="1400" dirty="0"/>
-              <a:t>relevante</a:t>
-            </a:r>
-          </a:p>
-        </p:txBody>
-      </p:sp>
-      <p:sp>
-        <p:nvSpPr>
-          <p:cNvPr id="16" name="CuadroTexto 15"/>
-          <p:cNvSpPr txBox="1"/>
-          <p:nvPr/>
-        </p:nvSpPr>
-        <p:spPr>
-          <a:xfrm>
-            <a:off x="5482334" y="3487525"/>
-            <a:ext cx="915635" cy="523220"/>
-          </a:xfrm>
-          <a:prstGeom prst="rect">
-            <a:avLst/>
-          </a:prstGeom>
-          <a:noFill/>
-        </p:spPr>
-        <p:txBody>
-          <a:bodyPr wrap="none" rtlCol="0">
-            <a:spAutoFit/>
-          </a:bodyPr>
-          <a:lstStyle/>
-          <a:p>
-            <a:pPr algn="ctr"/>
-            <a:r>
-              <a:rPr lang="es-PE" sz="1400" dirty="0"/>
-              <a:t>Relaciones </a:t>
-            </a:r>
-          </a:p>
-          <a:p>
-            <a:pPr algn="ctr"/>
-            <a:r>
-              <a:rPr lang="es-PE" sz="1400" dirty="0"/>
-              <a:t>relevante</a:t>
-            </a:r>
-          </a:p>
-        </p:txBody>
-      </p:sp>
-      <p:cxnSp>
-        <p:nvCxnSpPr>
-          <p:cNvPr id="18" name="Conector recto de flecha 17"/>
-          <p:cNvCxnSpPr>
-            <a:stCxn id="8" idx="2"/>
-            <a:endCxn id="11" idx="0"/>
-          </p:cNvCxnSpPr>
-          <p:nvPr/>
-        </p:nvCxnSpPr>
-        <p:spPr>
-          <a:xfrm>
-            <a:off x="7344308" y="4073171"/>
-            <a:ext cx="0" cy="1048017"/>
-          </a:xfrm>
-          <a:prstGeom prst="straightConnector1">
-            <a:avLst/>
-          </a:prstGeom>
-          <a:ln w="28575">
-            <a:tailEnd type="triangle"/>
-          </a:ln>
-        </p:spPr>
-        <p:style>
-          <a:lnRef idx="1">
-            <a:schemeClr val="dk1"/>
-          </a:lnRef>
-          <a:fillRef idx="0">
-            <a:schemeClr val="dk1"/>
-          </a:fillRef>
-          <a:effectRef idx="0">
-            <a:schemeClr val="dk1"/>
-          </a:effectRef>
-          <a:fontRef idx="minor">
-            <a:schemeClr val="tx1"/>
-          </a:fontRef>
-        </p:style>
-      </p:cxnSp>
-      <p:cxnSp>
-        <p:nvCxnSpPr>
-          <p:cNvPr id="20" name="Conector recto de flecha 19"/>
-          <p:cNvCxnSpPr>
-            <a:stCxn id="11" idx="1"/>
-            <a:endCxn id="10" idx="3"/>
-          </p:cNvCxnSpPr>
-          <p:nvPr/>
-        </p:nvCxnSpPr>
-        <p:spPr>
-          <a:xfrm flipH="1">
-            <a:off x="5220072" y="5445224"/>
-            <a:ext cx="1440160" cy="0"/>
-          </a:xfrm>
-          <a:prstGeom prst="straightConnector1">
-            <a:avLst/>
-          </a:prstGeom>
-          <a:ln w="28575">
-            <a:tailEnd type="triangle"/>
-          </a:ln>
-        </p:spPr>
-        <p:style>
-          <a:lnRef idx="1">
-            <a:schemeClr val="dk1"/>
-          </a:lnRef>
-          <a:fillRef idx="0">
-            <a:schemeClr val="dk1"/>
-          </a:fillRef>
-          <a:effectRef idx="0">
-            <a:schemeClr val="dk1"/>
-          </a:effectRef>
-          <a:fontRef idx="minor">
-            <a:schemeClr val="tx1"/>
-          </a:fontRef>
-        </p:style>
-      </p:cxnSp>
-      <p:cxnSp>
-        <p:nvCxnSpPr>
-          <p:cNvPr id="22" name="Conector recto de flecha 21"/>
-          <p:cNvCxnSpPr>
-            <a:stCxn id="10" idx="1"/>
-            <a:endCxn id="9" idx="3"/>
-          </p:cNvCxnSpPr>
-          <p:nvPr/>
-        </p:nvCxnSpPr>
-        <p:spPr>
-          <a:xfrm flipH="1">
-            <a:off x="2411760" y="5445224"/>
-            <a:ext cx="1440160" cy="0"/>
-          </a:xfrm>
-          <a:prstGeom prst="straightConnector1">
-            <a:avLst/>
-          </a:prstGeom>
-          <a:ln w="28575">
-            <a:tailEnd type="triangle"/>
-          </a:ln>
-        </p:spPr>
-        <p:style>
-          <a:lnRef idx="1">
-            <a:schemeClr val="dk1"/>
-          </a:lnRef>
-          <a:fillRef idx="0">
-            <a:schemeClr val="dk1"/>
-          </a:fillRef>
-          <a:effectRef idx="0">
-            <a:schemeClr val="dk1"/>
-          </a:effectRef>
-          <a:fontRef idx="minor">
-            <a:schemeClr val="tx1"/>
-          </a:fontRef>
-        </p:style>
-      </p:cxnSp>
-      <p:cxnSp>
-        <p:nvCxnSpPr>
-          <p:cNvPr id="24" name="Conector recto de flecha 23"/>
-          <p:cNvCxnSpPr>
-            <a:stCxn id="9" idx="0"/>
-            <a:endCxn id="7" idx="2"/>
-          </p:cNvCxnSpPr>
-          <p:nvPr/>
-        </p:nvCxnSpPr>
-        <p:spPr>
-          <a:xfrm flipV="1">
-            <a:off x="1691680" y="4109175"/>
-            <a:ext cx="0" cy="976009"/>
-          </a:xfrm>
-          <a:prstGeom prst="straightConnector1">
-            <a:avLst/>
-          </a:prstGeom>
-          <a:ln w="28575">
-            <a:tailEnd type="triangle"/>
-          </a:ln>
-        </p:spPr>
-        <p:style>
-          <a:lnRef idx="1">
-            <a:schemeClr val="dk1"/>
-          </a:lnRef>
-          <a:fillRef idx="0">
-            <a:schemeClr val="dk1"/>
-          </a:fillRef>
-          <a:effectRef idx="0">
-            <a:schemeClr val="dk1"/>
-          </a:effectRef>
-          <a:fontRef idx="minor">
-            <a:schemeClr val="tx1"/>
-          </a:fontRef>
-        </p:style>
-      </p:cxnSp>
-      <p:cxnSp>
-        <p:nvCxnSpPr>
-          <p:cNvPr id="26" name="Conector recto de flecha 25"/>
-          <p:cNvCxnSpPr>
-            <a:stCxn id="10" idx="0"/>
-            <a:endCxn id="6" idx="2"/>
-          </p:cNvCxnSpPr>
-          <p:nvPr/>
-        </p:nvCxnSpPr>
-        <p:spPr>
-          <a:xfrm flipV="1">
-            <a:off x="4535996" y="4073171"/>
-            <a:ext cx="0" cy="1048017"/>
-          </a:xfrm>
-          <a:prstGeom prst="straightConnector1">
-            <a:avLst/>
-          </a:prstGeom>
-          <a:ln w="28575">
-            <a:tailEnd type="triangle"/>
-          </a:ln>
-        </p:spPr>
-        <p:style>
-          <a:lnRef idx="1">
-            <a:schemeClr val="dk1"/>
-          </a:lnRef>
-          <a:fillRef idx="0">
-            <a:schemeClr val="dk1"/>
-          </a:fillRef>
-          <a:effectRef idx="0">
-            <a:schemeClr val="dk1"/>
-          </a:effectRef>
-          <a:fontRef idx="minor">
-            <a:schemeClr val="tx1"/>
-          </a:fontRef>
-        </p:style>
-      </p:cxnSp>
-      <p:sp>
-        <p:nvSpPr>
-          <p:cNvPr id="28" name="CuadroTexto 27"/>
-          <p:cNvSpPr txBox="1"/>
-          <p:nvPr/>
-        </p:nvSpPr>
-        <p:spPr>
-          <a:xfrm rot="5400000">
-            <a:off x="7153249" y="4366347"/>
-            <a:ext cx="814647" cy="461665"/>
-          </a:xfrm>
-          <a:prstGeom prst="rect">
-            <a:avLst/>
-          </a:prstGeom>
-          <a:noFill/>
-        </p:spPr>
-        <p:txBody>
-          <a:bodyPr wrap="none" rtlCol="0">
-            <a:spAutoFit/>
-          </a:bodyPr>
-          <a:lstStyle/>
-          <a:p>
-            <a:pPr algn="ctr"/>
-            <a:r>
-              <a:rPr lang="es-PE" sz="1200" dirty="0"/>
-              <a:t>Método</a:t>
-            </a:r>
-          </a:p>
-          <a:p>
-            <a:pPr algn="ctr"/>
-            <a:r>
-              <a:rPr lang="es-PE" sz="1200" dirty="0"/>
-              <a:t>de solución</a:t>
-            </a:r>
-          </a:p>
-        </p:txBody>
-      </p:sp>
-      <p:sp>
-        <p:nvSpPr>
-          <p:cNvPr id="29" name="CuadroTexto 28"/>
-          <p:cNvSpPr txBox="1"/>
-          <p:nvPr/>
-        </p:nvSpPr>
-        <p:spPr>
-          <a:xfrm>
-            <a:off x="5384426" y="5183614"/>
-            <a:ext cx="1111458" cy="307777"/>
-          </a:xfrm>
-          <a:prstGeom prst="rect">
-            <a:avLst/>
-          </a:prstGeom>
-          <a:noFill/>
-        </p:spPr>
-        <p:txBody>
-          <a:bodyPr wrap="none" rtlCol="0">
-            <a:spAutoFit/>
-          </a:bodyPr>
-          <a:lstStyle/>
-          <a:p>
-            <a:pPr algn="ctr"/>
-            <a:r>
-              <a:rPr lang="es-PE" sz="1400" dirty="0"/>
-              <a:t>Interpretación</a:t>
-            </a:r>
-          </a:p>
-        </p:txBody>
-      </p:sp>
-      <p:sp>
-        <p:nvSpPr>
-          <p:cNvPr id="30" name="CuadroTexto 29"/>
-          <p:cNvSpPr txBox="1"/>
-          <p:nvPr/>
-        </p:nvSpPr>
-        <p:spPr>
-          <a:xfrm>
-            <a:off x="2693257" y="5183614"/>
-            <a:ext cx="877164" cy="307777"/>
-          </a:xfrm>
-          <a:prstGeom prst="rect">
-            <a:avLst/>
-          </a:prstGeom>
-          <a:noFill/>
-        </p:spPr>
-        <p:txBody>
-          <a:bodyPr wrap="none" rtlCol="0">
-            <a:spAutoFit/>
-          </a:bodyPr>
-          <a:lstStyle/>
-          <a:p>
-            <a:pPr algn="ctr"/>
-            <a:r>
-              <a:rPr lang="es-PE" sz="1400" dirty="0"/>
-              <a:t>Decisiones</a:t>
-            </a:r>
-          </a:p>
-        </p:txBody>
-      </p:sp>
-      <p:sp>
-        <p:nvSpPr>
-          <p:cNvPr id="31" name="CuadroTexto 30"/>
-          <p:cNvSpPr txBox="1"/>
-          <p:nvPr/>
-        </p:nvSpPr>
-        <p:spPr>
-          <a:xfrm rot="5400000">
-            <a:off x="1287402" y="4458681"/>
-            <a:ext cx="1085554" cy="276999"/>
-          </a:xfrm>
-          <a:prstGeom prst="rect">
-            <a:avLst/>
-          </a:prstGeom>
-          <a:noFill/>
-        </p:spPr>
-        <p:txBody>
-          <a:bodyPr wrap="none" rtlCol="0">
-            <a:spAutoFit/>
-          </a:bodyPr>
-          <a:lstStyle/>
-          <a:p>
-            <a:pPr algn="ctr"/>
-            <a:r>
-              <a:rPr lang="es-PE" sz="1200" dirty="0"/>
-              <a:t>Implementación</a:t>
-            </a:r>
-          </a:p>
-        </p:txBody>
-      </p:sp>
+        </p:spPr>
+      </p:pic>
+      <p:graphicFrame>
+        <p:nvGraphicFramePr>
+          <p:cNvPr id="8" name="Tabla 7"/>
+          <p:cNvGraphicFramePr>
+            <a:graphicFrameLocks noGrp="1"/>
+          </p:cNvGraphicFramePr>
+          <p:nvPr>
+            <p:extLst>
+              <p:ext uri="{D42A27DB-BD31-4B8C-83A1-F6EECF244321}">
+                <p14:modId xmlns:p14="http://schemas.microsoft.com/office/powerpoint/2010/main" val="824036833"/>
+              </p:ext>
+            </p:extLst>
+          </p:nvPr>
+        </p:nvGraphicFramePr>
+        <p:xfrm>
+          <a:off x="1475656" y="3515412"/>
+          <a:ext cx="2978994" cy="1483360"/>
+        </p:xfrm>
+        <a:graphic>
+          <a:graphicData uri="http://schemas.openxmlformats.org/drawingml/2006/table">
+            <a:tbl>
+              <a:tblPr firstRow="1" bandRow="1">
+                <a:tableStyleId>{5940675A-B579-460E-94D1-54222C63F5DA}</a:tableStyleId>
+              </a:tblPr>
+              <a:tblGrid>
+                <a:gridCol w="784434">
+                  <a:extLst>
+                    <a:ext uri="{9D8B030D-6E8A-4147-A177-3AD203B41FA5}">
+                      <a16:colId xmlns:a16="http://schemas.microsoft.com/office/drawing/2014/main" val="3601449784"/>
+                    </a:ext>
+                  </a:extLst>
+                </a:gridCol>
+                <a:gridCol w="731520">
+                  <a:extLst>
+                    <a:ext uri="{9D8B030D-6E8A-4147-A177-3AD203B41FA5}">
+                      <a16:colId xmlns:a16="http://schemas.microsoft.com/office/drawing/2014/main" val="4258779209"/>
+                    </a:ext>
+                  </a:extLst>
+                </a:gridCol>
+                <a:gridCol w="731520">
+                  <a:extLst>
+                    <a:ext uri="{9D8B030D-6E8A-4147-A177-3AD203B41FA5}">
+                      <a16:colId xmlns:a16="http://schemas.microsoft.com/office/drawing/2014/main" val="2704008432"/>
+                    </a:ext>
+                  </a:extLst>
+                </a:gridCol>
+                <a:gridCol w="731520">
+                  <a:extLst>
+                    <a:ext uri="{9D8B030D-6E8A-4147-A177-3AD203B41FA5}">
+                      <a16:colId xmlns:a16="http://schemas.microsoft.com/office/drawing/2014/main" val="1588740185"/>
+                    </a:ext>
+                  </a:extLst>
+                </a:gridCol>
+              </a:tblGrid>
+              <a:tr h="370840">
+                <a:tc>
+                  <a:txBody>
+                    <a:bodyPr/>
+                    <a:lstStyle/>
+                    <a:p>
+                      <a:pPr algn="ctr"/>
+                      <a:endParaRPr lang="es-PE" dirty="0"/>
+                    </a:p>
+                  </a:txBody>
+                  <a:tcPr anchor="ctr">
+                    <a:lnL w="12700" cmpd="sng">
+                      <a:noFill/>
+                    </a:lnL>
+                    <a:lnR w="12700" cap="flat" cmpd="sng" algn="ctr">
+                      <a:solidFill>
+                        <a:schemeClr val="tx1"/>
+                      </a:solidFill>
+                      <a:prstDash val="solid"/>
+                      <a:round/>
+                      <a:headEnd type="none" w="med" len="med"/>
+                      <a:tailEnd type="none" w="med" len="med"/>
+                    </a:lnR>
+                    <a:lnT w="12700" cmpd="sng">
+                      <a:noFill/>
+                    </a:lnT>
+                    <a:lnB w="12700" cap="flat" cmpd="sng" algn="ctr">
+                      <a:solidFill>
+                        <a:schemeClr val="tx1"/>
+                      </a:solidFill>
+                      <a:prstDash val="solid"/>
+                      <a:round/>
+                      <a:headEnd type="none" w="med" len="med"/>
+                      <a:tailEnd type="none" w="med" len="med"/>
+                    </a:lnB>
+                    <a:lnTlToBr w="12700" cmpd="sng">
+                      <a:noFill/>
+                      <a:prstDash val="solid"/>
+                    </a:lnTlToBr>
+                    <a:lnBlToTr w="12700" cmpd="sng">
+                      <a:noFill/>
+                      <a:prstDash val="solid"/>
+                    </a:lnBlToTr>
+                  </a:tcPr>
+                </a:tc>
+                <a:tc>
+                  <a:txBody>
+                    <a:bodyPr/>
+                    <a:lstStyle/>
+                    <a:p>
+                      <a:pPr algn="ctr"/>
+                      <a:r>
+                        <a:rPr lang="en-US" dirty="0"/>
+                        <a:t>Max.</a:t>
+                      </a:r>
+                      <a:endParaRPr lang="es-PE" dirty="0"/>
+                    </a:p>
+                  </a:txBody>
+                  <a:tcPr anchor="ctr">
+                    <a:lnL w="12700" cap="flat" cmpd="sng" algn="ctr">
+                      <a:solidFill>
+                        <a:schemeClr val="tx1"/>
+                      </a:solidFill>
+                      <a:prstDash val="solid"/>
+                      <a:round/>
+                      <a:headEnd type="none" w="med" len="med"/>
+                      <a:tailEnd type="none" w="med" len="med"/>
+                    </a:lnL>
+                    <a:lnR w="12700" cap="flat" cmpd="sng" algn="ctr">
+                      <a:solidFill>
+                        <a:schemeClr val="tx1"/>
+                      </a:solidFill>
+                      <a:prstDash val="solid"/>
+                      <a:round/>
+                      <a:headEnd type="none" w="med" len="med"/>
+                      <a:tailEnd type="none" w="med" len="med"/>
+                    </a:lnR>
+                    <a:lnT w="12700" cap="flat" cmpd="sng" algn="ctr">
+                      <a:solidFill>
+                        <a:schemeClr val="tx1"/>
+                      </a:solidFill>
+                      <a:prstDash val="solid"/>
+                      <a:round/>
+                      <a:headEnd type="none" w="med" len="med"/>
+                      <a:tailEnd type="none" w="med" len="med"/>
+                    </a:lnT>
+                    <a:lnB w="12700" cap="flat" cmpd="sng" algn="ctr">
+                      <a:solidFill>
+                        <a:schemeClr val="tx1"/>
+                      </a:solidFill>
+                      <a:prstDash val="solid"/>
+                      <a:round/>
+                      <a:headEnd type="none" w="med" len="med"/>
+                      <a:tailEnd type="none" w="med" len="med"/>
+                    </a:lnB>
+                    <a:lnTlToBr w="12700" cmpd="sng">
+                      <a:noFill/>
+                      <a:prstDash val="solid"/>
+                    </a:lnTlToBr>
+                    <a:lnBlToTr w="12700" cmpd="sng">
+                      <a:noFill/>
+                      <a:prstDash val="solid"/>
+                    </a:lnBlToTr>
+                  </a:tcPr>
+                </a:tc>
+                <a:tc>
+                  <a:txBody>
+                    <a:bodyPr/>
+                    <a:lstStyle/>
+                    <a:p>
+                      <a:pPr algn="ctr"/>
+                      <a:r>
+                        <a:rPr lang="en-US" dirty="0"/>
+                        <a:t>Min.</a:t>
+                      </a:r>
+                      <a:endParaRPr lang="es-PE" dirty="0"/>
+                    </a:p>
+                  </a:txBody>
+                  <a:tcPr anchor="ctr">
+                    <a:lnL w="12700" cap="flat" cmpd="sng" algn="ctr">
+                      <a:solidFill>
+                        <a:schemeClr val="tx1"/>
+                      </a:solidFill>
+                      <a:prstDash val="solid"/>
+                      <a:round/>
+                      <a:headEnd type="none" w="med" len="med"/>
+                      <a:tailEnd type="none" w="med" len="med"/>
+                    </a:lnL>
+                    <a:lnR w="12700" cap="flat" cmpd="sng" algn="ctr">
+                      <a:solidFill>
+                        <a:schemeClr val="tx1"/>
+                      </a:solidFill>
+                      <a:prstDash val="solid"/>
+                      <a:round/>
+                      <a:headEnd type="none" w="med" len="med"/>
+                      <a:tailEnd type="none" w="med" len="med"/>
+                    </a:lnR>
+                    <a:lnT w="12700" cap="flat" cmpd="sng" algn="ctr">
+                      <a:solidFill>
+                        <a:schemeClr val="tx1"/>
+                      </a:solidFill>
+                      <a:prstDash val="solid"/>
+                      <a:round/>
+                      <a:headEnd type="none" w="med" len="med"/>
+                      <a:tailEnd type="none" w="med" len="med"/>
+                    </a:lnT>
+                    <a:lnB w="12700" cap="flat" cmpd="sng" algn="ctr">
+                      <a:solidFill>
+                        <a:schemeClr val="tx1"/>
+                      </a:solidFill>
+                      <a:prstDash val="solid"/>
+                      <a:round/>
+                      <a:headEnd type="none" w="med" len="med"/>
+                      <a:tailEnd type="none" w="med" len="med"/>
+                    </a:lnB>
+                    <a:lnTlToBr w="12700" cmpd="sng">
+                      <a:noFill/>
+                      <a:prstDash val="solid"/>
+                    </a:lnTlToBr>
+                    <a:lnBlToTr w="12700" cmpd="sng">
+                      <a:noFill/>
+                      <a:prstDash val="solid"/>
+                    </a:lnBlToTr>
+                  </a:tcPr>
+                </a:tc>
+                <a:tc>
+                  <a:txBody>
+                    <a:bodyPr/>
+                    <a:lstStyle/>
+                    <a:p>
+                      <a:pPr algn="ctr"/>
+                      <a:r>
+                        <a:rPr lang="es-PE" noProof="0" dirty="0"/>
+                        <a:t>Costo</a:t>
+                      </a:r>
+                    </a:p>
+                  </a:txBody>
+                  <a:tcPr anchor="ctr">
+                    <a:lnL w="12700" cap="flat" cmpd="sng" algn="ctr">
+                      <a:solidFill>
+                        <a:schemeClr val="tx1"/>
+                      </a:solidFill>
+                      <a:prstDash val="solid"/>
+                      <a:round/>
+                      <a:headEnd type="none" w="med" len="med"/>
+                      <a:tailEnd type="none" w="med" len="med"/>
+                    </a:lnL>
+                    <a:lnR w="12700" cap="flat" cmpd="sng" algn="ctr">
+                      <a:solidFill>
+                        <a:schemeClr val="tx1"/>
+                      </a:solidFill>
+                      <a:prstDash val="solid"/>
+                      <a:round/>
+                      <a:headEnd type="none" w="med" len="med"/>
+                      <a:tailEnd type="none" w="med" len="med"/>
+                    </a:lnR>
+                    <a:lnT w="12700" cap="flat" cmpd="sng" algn="ctr">
+                      <a:solidFill>
+                        <a:schemeClr val="tx1"/>
+                      </a:solidFill>
+                      <a:prstDash val="solid"/>
+                      <a:round/>
+                      <a:headEnd type="none" w="med" len="med"/>
+                      <a:tailEnd type="none" w="med" len="med"/>
+                    </a:lnT>
+                    <a:lnB w="12700" cap="flat" cmpd="sng" algn="ctr">
+                      <a:solidFill>
+                        <a:schemeClr val="tx1"/>
+                      </a:solidFill>
+                      <a:prstDash val="solid"/>
+                      <a:round/>
+                      <a:headEnd type="none" w="med" len="med"/>
+                      <a:tailEnd type="none" w="med" len="med"/>
+                    </a:lnB>
+                    <a:lnTlToBr w="12700" cmpd="sng">
+                      <a:noFill/>
+                      <a:prstDash val="solid"/>
+                    </a:lnTlToBr>
+                    <a:lnBlToTr w="12700" cmpd="sng">
+                      <a:noFill/>
+                      <a:prstDash val="solid"/>
+                    </a:lnBlToTr>
+                  </a:tcPr>
+                </a:tc>
+                <a:extLst>
+                  <a:ext uri="{0D108BD9-81ED-4DB2-BD59-A6C34878D82A}">
+                    <a16:rowId xmlns:a16="http://schemas.microsoft.com/office/drawing/2014/main" val="3553923322"/>
+                  </a:ext>
+                </a:extLst>
+              </a:tr>
+              <a:tr h="370840">
+                <a:tc>
+                  <a:txBody>
+                    <a:bodyPr/>
+                    <a:lstStyle/>
+                    <a:p>
+                      <a:pPr algn="ctr"/>
+                      <a:r>
+                        <a:rPr lang="en-US" dirty="0"/>
+                        <a:t>G1</a:t>
+                      </a:r>
+                      <a:endParaRPr lang="es-PE" dirty="0"/>
+                    </a:p>
+                  </a:txBody>
+                  <a:tcPr anchor="ctr">
+                    <a:lnL w="12700" cap="flat" cmpd="sng" algn="ctr">
+                      <a:solidFill>
+                        <a:schemeClr val="tx1"/>
+                      </a:solidFill>
+                      <a:prstDash val="solid"/>
+                      <a:round/>
+                      <a:headEnd type="none" w="med" len="med"/>
+                      <a:tailEnd type="none" w="med" len="med"/>
+                    </a:lnL>
+                    <a:lnR w="12700" cap="flat" cmpd="sng" algn="ctr">
+                      <a:solidFill>
+                        <a:schemeClr val="tx1"/>
+                      </a:solidFill>
+                      <a:prstDash val="solid"/>
+                      <a:round/>
+                      <a:headEnd type="none" w="med" len="med"/>
+                      <a:tailEnd type="none" w="med" len="med"/>
+                    </a:lnR>
+                    <a:lnT w="12700" cap="flat" cmpd="sng" algn="ctr">
+                      <a:solidFill>
+                        <a:schemeClr val="tx1"/>
+                      </a:solidFill>
+                      <a:prstDash val="solid"/>
+                      <a:round/>
+                      <a:headEnd type="none" w="med" len="med"/>
+                      <a:tailEnd type="none" w="med" len="med"/>
+                    </a:lnT>
+                    <a:lnB w="12700" cap="flat" cmpd="sng" algn="ctr">
+                      <a:solidFill>
+                        <a:schemeClr val="tx1"/>
+                      </a:solidFill>
+                      <a:prstDash val="solid"/>
+                      <a:round/>
+                      <a:headEnd type="none" w="med" len="med"/>
+                      <a:tailEnd type="none" w="med" len="med"/>
+                    </a:lnB>
+                    <a:lnTlToBr w="12700" cmpd="sng">
+                      <a:noFill/>
+                      <a:prstDash val="solid"/>
+                    </a:lnTlToBr>
+                    <a:lnBlToTr w="12700" cmpd="sng">
+                      <a:noFill/>
+                      <a:prstDash val="solid"/>
+                    </a:lnBlToTr>
+                  </a:tcPr>
+                </a:tc>
+                <a:tc>
+                  <a:txBody>
+                    <a:bodyPr/>
+                    <a:lstStyle/>
+                    <a:p>
+                      <a:pPr algn="ctr"/>
+                      <a:r>
+                        <a:rPr lang="en-US" dirty="0"/>
+                        <a:t>1000</a:t>
+                      </a:r>
+                      <a:endParaRPr lang="es-PE" dirty="0"/>
+                    </a:p>
+                  </a:txBody>
+                  <a:tcPr anchor="ctr">
+                    <a:lnL w="12700" cap="flat" cmpd="sng" algn="ctr">
+                      <a:solidFill>
+                        <a:schemeClr val="tx1"/>
+                      </a:solidFill>
+                      <a:prstDash val="solid"/>
+                      <a:round/>
+                      <a:headEnd type="none" w="med" len="med"/>
+                      <a:tailEnd type="none" w="med" len="med"/>
+                    </a:lnL>
+                    <a:lnR w="12700" cap="flat" cmpd="sng" algn="ctr">
+                      <a:solidFill>
+                        <a:schemeClr val="tx1"/>
+                      </a:solidFill>
+                      <a:prstDash val="solid"/>
+                      <a:round/>
+                      <a:headEnd type="none" w="med" len="med"/>
+                      <a:tailEnd type="none" w="med" len="med"/>
+                    </a:lnR>
+                    <a:lnT w="12700" cap="flat" cmpd="sng" algn="ctr">
+                      <a:solidFill>
+                        <a:schemeClr val="tx1"/>
+                      </a:solidFill>
+                      <a:prstDash val="solid"/>
+                      <a:round/>
+                      <a:headEnd type="none" w="med" len="med"/>
+                      <a:tailEnd type="none" w="med" len="med"/>
+                    </a:lnT>
+                    <a:lnB w="12700" cap="flat" cmpd="sng" algn="ctr">
+                      <a:solidFill>
+                        <a:schemeClr val="tx1"/>
+                      </a:solidFill>
+                      <a:prstDash val="solid"/>
+                      <a:round/>
+                      <a:headEnd type="none" w="med" len="med"/>
+                      <a:tailEnd type="none" w="med" len="med"/>
+                    </a:lnB>
+                    <a:lnTlToBr w="12700" cmpd="sng">
+                      <a:noFill/>
+                      <a:prstDash val="solid"/>
+                    </a:lnTlToBr>
+                    <a:lnBlToTr w="12700" cmpd="sng">
+                      <a:noFill/>
+                      <a:prstDash val="solid"/>
+                    </a:lnBlToTr>
+                  </a:tcPr>
+                </a:tc>
+                <a:tc>
+                  <a:txBody>
+                    <a:bodyPr/>
+                    <a:lstStyle/>
+                    <a:p>
+                      <a:pPr algn="ctr"/>
+                      <a:r>
+                        <a:rPr lang="es-PE" dirty="0"/>
+                        <a:t>-</a:t>
+                      </a:r>
+                    </a:p>
+                  </a:txBody>
+                  <a:tcPr anchor="ctr">
+                    <a:lnL w="12700" cap="flat" cmpd="sng" algn="ctr">
+                      <a:solidFill>
+                        <a:schemeClr val="tx1"/>
+                      </a:solidFill>
+                      <a:prstDash val="solid"/>
+                      <a:round/>
+                      <a:headEnd type="none" w="med" len="med"/>
+                      <a:tailEnd type="none" w="med" len="med"/>
+                    </a:lnL>
+                    <a:lnR w="12700" cap="flat" cmpd="sng" algn="ctr">
+                      <a:solidFill>
+                        <a:schemeClr val="tx1"/>
+                      </a:solidFill>
+                      <a:prstDash val="solid"/>
+                      <a:round/>
+                      <a:headEnd type="none" w="med" len="med"/>
+                      <a:tailEnd type="none" w="med" len="med"/>
+                    </a:lnR>
+                    <a:lnT w="12700" cap="flat" cmpd="sng" algn="ctr">
+                      <a:solidFill>
+                        <a:schemeClr val="tx1"/>
+                      </a:solidFill>
+                      <a:prstDash val="solid"/>
+                      <a:round/>
+                      <a:headEnd type="none" w="med" len="med"/>
+                      <a:tailEnd type="none" w="med" len="med"/>
+                    </a:lnT>
+                    <a:lnB w="12700" cap="flat" cmpd="sng" algn="ctr">
+                      <a:solidFill>
+                        <a:schemeClr val="tx1"/>
+                      </a:solidFill>
+                      <a:prstDash val="solid"/>
+                      <a:round/>
+                      <a:headEnd type="none" w="med" len="med"/>
+                      <a:tailEnd type="none" w="med" len="med"/>
+                    </a:lnB>
+                    <a:lnTlToBr w="12700" cmpd="sng">
+                      <a:noFill/>
+                      <a:prstDash val="solid"/>
+                    </a:lnTlToBr>
+                    <a:lnBlToTr w="12700" cmpd="sng">
+                      <a:noFill/>
+                      <a:prstDash val="solid"/>
+                    </a:lnBlToTr>
+                  </a:tcPr>
+                </a:tc>
+                <a:tc>
+                  <a:txBody>
+                    <a:bodyPr/>
+                    <a:lstStyle/>
+                    <a:p>
+                      <a:pPr algn="ctr"/>
+                      <a:r>
+                        <a:rPr lang="es-PE" dirty="0"/>
+                        <a:t>50</a:t>
+                      </a:r>
+                    </a:p>
+                  </a:txBody>
+                  <a:tcPr anchor="ctr">
+                    <a:lnL w="12700" cap="flat" cmpd="sng" algn="ctr">
+                      <a:solidFill>
+                        <a:schemeClr val="tx1"/>
+                      </a:solidFill>
+                      <a:prstDash val="solid"/>
+                      <a:round/>
+                      <a:headEnd type="none" w="med" len="med"/>
+                      <a:tailEnd type="none" w="med" len="med"/>
+                    </a:lnL>
+                    <a:lnR w="12700" cap="flat" cmpd="sng" algn="ctr">
+                      <a:solidFill>
+                        <a:schemeClr val="tx1"/>
+                      </a:solidFill>
+                      <a:prstDash val="solid"/>
+                      <a:round/>
+                      <a:headEnd type="none" w="med" len="med"/>
+                      <a:tailEnd type="none" w="med" len="med"/>
+                    </a:lnR>
+                    <a:lnT w="12700" cap="flat" cmpd="sng" algn="ctr">
+                      <a:solidFill>
+                        <a:schemeClr val="tx1"/>
+                      </a:solidFill>
+                      <a:prstDash val="solid"/>
+                      <a:round/>
+                      <a:headEnd type="none" w="med" len="med"/>
+                      <a:tailEnd type="none" w="med" len="med"/>
+                    </a:lnT>
+                    <a:lnB w="12700" cap="flat" cmpd="sng" algn="ctr">
+                      <a:solidFill>
+                        <a:schemeClr val="tx1"/>
+                      </a:solidFill>
+                      <a:prstDash val="solid"/>
+                      <a:round/>
+                      <a:headEnd type="none" w="med" len="med"/>
+                      <a:tailEnd type="none" w="med" len="med"/>
+                    </a:lnB>
+                    <a:lnTlToBr w="12700" cmpd="sng">
+                      <a:noFill/>
+                      <a:prstDash val="solid"/>
+                    </a:lnTlToBr>
+                    <a:lnBlToTr w="12700" cmpd="sng">
+                      <a:noFill/>
+                      <a:prstDash val="solid"/>
+                    </a:lnBlToTr>
+                  </a:tcPr>
+                </a:tc>
+                <a:extLst>
+                  <a:ext uri="{0D108BD9-81ED-4DB2-BD59-A6C34878D82A}">
+                    <a16:rowId xmlns:a16="http://schemas.microsoft.com/office/drawing/2014/main" val="3661568281"/>
+                  </a:ext>
+                </a:extLst>
+              </a:tr>
+              <a:tr h="370840">
+                <a:tc>
+                  <a:txBody>
+                    <a:bodyPr/>
+                    <a:lstStyle/>
+                    <a:p>
+                      <a:pPr algn="ctr"/>
+                      <a:r>
+                        <a:rPr lang="en-US" dirty="0"/>
+                        <a:t>G2</a:t>
+                      </a:r>
+                      <a:endParaRPr lang="es-PE" dirty="0"/>
+                    </a:p>
+                  </a:txBody>
+                  <a:tcPr anchor="ctr">
+                    <a:lnL w="12700" cap="flat" cmpd="sng" algn="ctr">
+                      <a:solidFill>
+                        <a:schemeClr val="tx1"/>
+                      </a:solidFill>
+                      <a:prstDash val="solid"/>
+                      <a:round/>
+                      <a:headEnd type="none" w="med" len="med"/>
+                      <a:tailEnd type="none" w="med" len="med"/>
+                    </a:lnL>
+                    <a:lnR w="12700" cap="flat" cmpd="sng" algn="ctr">
+                      <a:solidFill>
+                        <a:schemeClr val="tx1"/>
+                      </a:solidFill>
+                      <a:prstDash val="solid"/>
+                      <a:round/>
+                      <a:headEnd type="none" w="med" len="med"/>
+                      <a:tailEnd type="none" w="med" len="med"/>
+                    </a:lnR>
+                    <a:lnT w="12700" cap="flat" cmpd="sng" algn="ctr">
+                      <a:solidFill>
+                        <a:schemeClr val="tx1"/>
+                      </a:solidFill>
+                      <a:prstDash val="solid"/>
+                      <a:round/>
+                      <a:headEnd type="none" w="med" len="med"/>
+                      <a:tailEnd type="none" w="med" len="med"/>
+                    </a:lnT>
+                    <a:lnB w="12700" cap="flat" cmpd="sng" algn="ctr">
+                      <a:solidFill>
+                        <a:schemeClr val="tx1"/>
+                      </a:solidFill>
+                      <a:prstDash val="solid"/>
+                      <a:round/>
+                      <a:headEnd type="none" w="med" len="med"/>
+                      <a:tailEnd type="none" w="med" len="med"/>
+                    </a:lnB>
+                    <a:lnTlToBr w="12700" cmpd="sng">
+                      <a:noFill/>
+                      <a:prstDash val="solid"/>
+                    </a:lnTlToBr>
+                    <a:lnBlToTr w="12700" cmpd="sng">
+                      <a:noFill/>
+                      <a:prstDash val="solid"/>
+                    </a:lnBlToTr>
+                  </a:tcPr>
+                </a:tc>
+                <a:tc>
+                  <a:txBody>
+                    <a:bodyPr/>
+                    <a:lstStyle/>
+                    <a:p>
+                      <a:pPr algn="ctr"/>
+                      <a:r>
+                        <a:rPr lang="es-PE" dirty="0"/>
+                        <a:t>1000</a:t>
+                      </a:r>
+                    </a:p>
+                  </a:txBody>
+                  <a:tcPr anchor="ctr">
+                    <a:lnL w="12700" cap="flat" cmpd="sng" algn="ctr">
+                      <a:solidFill>
+                        <a:schemeClr val="tx1"/>
+                      </a:solidFill>
+                      <a:prstDash val="solid"/>
+                      <a:round/>
+                      <a:headEnd type="none" w="med" len="med"/>
+                      <a:tailEnd type="none" w="med" len="med"/>
+                    </a:lnL>
+                    <a:lnR w="12700" cap="flat" cmpd="sng" algn="ctr">
+                      <a:solidFill>
+                        <a:schemeClr val="tx1"/>
+                      </a:solidFill>
+                      <a:prstDash val="solid"/>
+                      <a:round/>
+                      <a:headEnd type="none" w="med" len="med"/>
+                      <a:tailEnd type="none" w="med" len="med"/>
+                    </a:lnR>
+                    <a:lnT w="12700" cap="flat" cmpd="sng" algn="ctr">
+                      <a:solidFill>
+                        <a:schemeClr val="tx1"/>
+                      </a:solidFill>
+                      <a:prstDash val="solid"/>
+                      <a:round/>
+                      <a:headEnd type="none" w="med" len="med"/>
+                      <a:tailEnd type="none" w="med" len="med"/>
+                    </a:lnT>
+                    <a:lnB w="12700" cap="flat" cmpd="sng" algn="ctr">
+                      <a:solidFill>
+                        <a:schemeClr val="tx1"/>
+                      </a:solidFill>
+                      <a:prstDash val="solid"/>
+                      <a:round/>
+                      <a:headEnd type="none" w="med" len="med"/>
+                      <a:tailEnd type="none" w="med" len="med"/>
+                    </a:lnB>
+                    <a:lnTlToBr w="12700" cmpd="sng">
+                      <a:noFill/>
+                      <a:prstDash val="solid"/>
+                    </a:lnTlToBr>
+                    <a:lnBlToTr w="12700" cmpd="sng">
+                      <a:noFill/>
+                      <a:prstDash val="solid"/>
+                    </a:lnBlToTr>
+                  </a:tcPr>
+                </a:tc>
+                <a:tc>
+                  <a:txBody>
+                    <a:bodyPr/>
+                    <a:lstStyle/>
+                    <a:p>
+                      <a:pPr algn="ctr"/>
+                      <a:r>
+                        <a:rPr lang="es-PE" dirty="0"/>
+                        <a:t>300</a:t>
+                      </a:r>
+                    </a:p>
+                  </a:txBody>
+                  <a:tcPr anchor="ctr">
+                    <a:lnL w="12700" cap="flat" cmpd="sng" algn="ctr">
+                      <a:solidFill>
+                        <a:schemeClr val="tx1"/>
+                      </a:solidFill>
+                      <a:prstDash val="solid"/>
+                      <a:round/>
+                      <a:headEnd type="none" w="med" len="med"/>
+                      <a:tailEnd type="none" w="med" len="med"/>
+                    </a:lnL>
+                    <a:lnR w="12700" cap="flat" cmpd="sng" algn="ctr">
+                      <a:solidFill>
+                        <a:schemeClr val="tx1"/>
+                      </a:solidFill>
+                      <a:prstDash val="solid"/>
+                      <a:round/>
+                      <a:headEnd type="none" w="med" len="med"/>
+                      <a:tailEnd type="none" w="med" len="med"/>
+                    </a:lnR>
+                    <a:lnT w="12700" cap="flat" cmpd="sng" algn="ctr">
+                      <a:solidFill>
+                        <a:schemeClr val="tx1"/>
+                      </a:solidFill>
+                      <a:prstDash val="solid"/>
+                      <a:round/>
+                      <a:headEnd type="none" w="med" len="med"/>
+                      <a:tailEnd type="none" w="med" len="med"/>
+                    </a:lnT>
+                    <a:lnB w="12700" cap="flat" cmpd="sng" algn="ctr">
+                      <a:solidFill>
+                        <a:schemeClr val="tx1"/>
+                      </a:solidFill>
+                      <a:prstDash val="solid"/>
+                      <a:round/>
+                      <a:headEnd type="none" w="med" len="med"/>
+                      <a:tailEnd type="none" w="med" len="med"/>
+                    </a:lnB>
+                    <a:lnTlToBr w="12700" cmpd="sng">
+                      <a:noFill/>
+                      <a:prstDash val="solid"/>
+                    </a:lnTlToBr>
+                    <a:lnBlToTr w="12700" cmpd="sng">
+                      <a:noFill/>
+                      <a:prstDash val="solid"/>
+                    </a:lnBlToTr>
+                  </a:tcPr>
+                </a:tc>
+                <a:tc>
+                  <a:txBody>
+                    <a:bodyPr/>
+                    <a:lstStyle/>
+                    <a:p>
+                      <a:pPr algn="ctr"/>
+                      <a:r>
+                        <a:rPr lang="es-PE" dirty="0"/>
+                        <a:t>100</a:t>
+                      </a:r>
+                    </a:p>
+                  </a:txBody>
+                  <a:tcPr anchor="ctr">
+                    <a:lnL w="12700" cap="flat" cmpd="sng" algn="ctr">
+                      <a:solidFill>
+                        <a:schemeClr val="tx1"/>
+                      </a:solidFill>
+                      <a:prstDash val="solid"/>
+                      <a:round/>
+                      <a:headEnd type="none" w="med" len="med"/>
+                      <a:tailEnd type="none" w="med" len="med"/>
+                    </a:lnL>
+                    <a:lnR w="12700" cap="flat" cmpd="sng" algn="ctr">
+                      <a:solidFill>
+                        <a:schemeClr val="tx1"/>
+                      </a:solidFill>
+                      <a:prstDash val="solid"/>
+                      <a:round/>
+                      <a:headEnd type="none" w="med" len="med"/>
+                      <a:tailEnd type="none" w="med" len="med"/>
+                    </a:lnR>
+                    <a:lnT w="12700" cap="flat" cmpd="sng" algn="ctr">
+                      <a:solidFill>
+                        <a:schemeClr val="tx1"/>
+                      </a:solidFill>
+                      <a:prstDash val="solid"/>
+                      <a:round/>
+                      <a:headEnd type="none" w="med" len="med"/>
+                      <a:tailEnd type="none" w="med" len="med"/>
+                    </a:lnT>
+                    <a:lnB w="12700" cap="flat" cmpd="sng" algn="ctr">
+                      <a:solidFill>
+                        <a:schemeClr val="tx1"/>
+                      </a:solidFill>
+                      <a:prstDash val="solid"/>
+                      <a:round/>
+                      <a:headEnd type="none" w="med" len="med"/>
+                      <a:tailEnd type="none" w="med" len="med"/>
+                    </a:lnB>
+                    <a:lnTlToBr w="12700" cmpd="sng">
+                      <a:noFill/>
+                      <a:prstDash val="solid"/>
+                    </a:lnTlToBr>
+                    <a:lnBlToTr w="12700" cmpd="sng">
+                      <a:noFill/>
+                      <a:prstDash val="solid"/>
+                    </a:lnBlToTr>
+                  </a:tcPr>
+                </a:tc>
+                <a:extLst>
+                  <a:ext uri="{0D108BD9-81ED-4DB2-BD59-A6C34878D82A}">
+                    <a16:rowId xmlns:a16="http://schemas.microsoft.com/office/drawing/2014/main" val="3100964172"/>
+                  </a:ext>
+                </a:extLst>
+              </a:tr>
+              <a:tr h="370840">
+                <a:tc>
+                  <a:txBody>
+                    <a:bodyPr/>
+                    <a:lstStyle/>
+                    <a:p>
+                      <a:pPr algn="ctr"/>
+                      <a:r>
+                        <a:rPr lang="en-US" dirty="0"/>
+                        <a:t>W1</a:t>
+                      </a:r>
+                      <a:endParaRPr lang="es-PE" dirty="0"/>
+                    </a:p>
+                  </a:txBody>
+                  <a:tcPr anchor="ctr">
+                    <a:lnL w="12700" cap="flat" cmpd="sng" algn="ctr">
+                      <a:solidFill>
+                        <a:schemeClr val="tx1"/>
+                      </a:solidFill>
+                      <a:prstDash val="solid"/>
+                      <a:round/>
+                      <a:headEnd type="none" w="med" len="med"/>
+                      <a:tailEnd type="none" w="med" len="med"/>
+                    </a:lnL>
+                    <a:lnR w="12700" cap="flat" cmpd="sng" algn="ctr">
+                      <a:solidFill>
+                        <a:schemeClr val="tx1"/>
+                      </a:solidFill>
+                      <a:prstDash val="solid"/>
+                      <a:round/>
+                      <a:headEnd type="none" w="med" len="med"/>
+                      <a:tailEnd type="none" w="med" len="med"/>
+                    </a:lnR>
+                    <a:lnT w="12700" cap="flat" cmpd="sng" algn="ctr">
+                      <a:solidFill>
+                        <a:schemeClr val="tx1"/>
+                      </a:solidFill>
+                      <a:prstDash val="solid"/>
+                      <a:round/>
+                      <a:headEnd type="none" w="med" len="med"/>
+                      <a:tailEnd type="none" w="med" len="med"/>
+                    </a:lnT>
+                    <a:lnB w="12700" cap="flat" cmpd="sng" algn="ctr">
+                      <a:solidFill>
+                        <a:schemeClr val="tx1"/>
+                      </a:solidFill>
+                      <a:prstDash val="solid"/>
+                      <a:round/>
+                      <a:headEnd type="none" w="med" len="med"/>
+                      <a:tailEnd type="none" w="med" len="med"/>
+                    </a:lnB>
+                    <a:lnTlToBr w="12700" cmpd="sng">
+                      <a:noFill/>
+                      <a:prstDash val="solid"/>
+                    </a:lnTlToBr>
+                    <a:lnBlToTr w="12700" cmpd="sng">
+                      <a:noFill/>
+                      <a:prstDash val="solid"/>
+                    </a:lnBlToTr>
+                  </a:tcPr>
+                </a:tc>
+                <a:tc>
+                  <a:txBody>
+                    <a:bodyPr/>
+                    <a:lstStyle/>
+                    <a:p>
+                      <a:pPr algn="ctr"/>
+                      <a:r>
+                        <a:rPr lang="es-PE" dirty="0"/>
+                        <a:t>200</a:t>
+                      </a:r>
+                    </a:p>
+                  </a:txBody>
+                  <a:tcPr anchor="ctr">
+                    <a:lnL w="12700" cap="flat" cmpd="sng" algn="ctr">
+                      <a:solidFill>
+                        <a:schemeClr val="tx1"/>
+                      </a:solidFill>
+                      <a:prstDash val="solid"/>
+                      <a:round/>
+                      <a:headEnd type="none" w="med" len="med"/>
+                      <a:tailEnd type="none" w="med" len="med"/>
+                    </a:lnL>
+                    <a:lnR w="12700" cap="flat" cmpd="sng" algn="ctr">
+                      <a:solidFill>
+                        <a:schemeClr val="tx1"/>
+                      </a:solidFill>
+                      <a:prstDash val="solid"/>
+                      <a:round/>
+                      <a:headEnd type="none" w="med" len="med"/>
+                      <a:tailEnd type="none" w="med" len="med"/>
+                    </a:lnR>
+                    <a:lnT w="12700" cap="flat" cmpd="sng" algn="ctr">
+                      <a:solidFill>
+                        <a:schemeClr val="tx1"/>
+                      </a:solidFill>
+                      <a:prstDash val="solid"/>
+                      <a:round/>
+                      <a:headEnd type="none" w="med" len="med"/>
+                      <a:tailEnd type="none" w="med" len="med"/>
+                    </a:lnT>
+                    <a:lnB w="12700" cap="flat" cmpd="sng" algn="ctr">
+                      <a:solidFill>
+                        <a:schemeClr val="tx1"/>
+                      </a:solidFill>
+                      <a:prstDash val="solid"/>
+                      <a:round/>
+                      <a:headEnd type="none" w="med" len="med"/>
+                      <a:tailEnd type="none" w="med" len="med"/>
+                    </a:lnB>
+                    <a:lnTlToBr w="12700" cmpd="sng">
+                      <a:noFill/>
+                      <a:prstDash val="solid"/>
+                    </a:lnTlToBr>
+                    <a:lnBlToTr w="12700" cmpd="sng">
+                      <a:noFill/>
+                      <a:prstDash val="solid"/>
+                    </a:lnBlToTr>
+                  </a:tcPr>
+                </a:tc>
+                <a:tc>
+                  <a:txBody>
+                    <a:bodyPr/>
+                    <a:lstStyle/>
+                    <a:p>
+                      <a:pPr algn="ctr"/>
+                      <a:r>
+                        <a:rPr lang="es-PE" dirty="0"/>
+                        <a:t>.</a:t>
+                      </a:r>
+                    </a:p>
+                  </a:txBody>
+                  <a:tcPr anchor="ctr">
+                    <a:lnL w="12700" cap="flat" cmpd="sng" algn="ctr">
+                      <a:solidFill>
+                        <a:schemeClr val="tx1"/>
+                      </a:solidFill>
+                      <a:prstDash val="solid"/>
+                      <a:round/>
+                      <a:headEnd type="none" w="med" len="med"/>
+                      <a:tailEnd type="none" w="med" len="med"/>
+                    </a:lnL>
+                    <a:lnR w="12700" cap="flat" cmpd="sng" algn="ctr">
+                      <a:solidFill>
+                        <a:schemeClr val="tx1"/>
+                      </a:solidFill>
+                      <a:prstDash val="solid"/>
+                      <a:round/>
+                      <a:headEnd type="none" w="med" len="med"/>
+                      <a:tailEnd type="none" w="med" len="med"/>
+                    </a:lnR>
+                    <a:lnT w="12700" cap="flat" cmpd="sng" algn="ctr">
+                      <a:solidFill>
+                        <a:schemeClr val="tx1"/>
+                      </a:solidFill>
+                      <a:prstDash val="solid"/>
+                      <a:round/>
+                      <a:headEnd type="none" w="med" len="med"/>
+                      <a:tailEnd type="none" w="med" len="med"/>
+                    </a:lnT>
+                    <a:lnB w="12700" cap="flat" cmpd="sng" algn="ctr">
+                      <a:solidFill>
+                        <a:schemeClr val="tx1"/>
+                      </a:solidFill>
+                      <a:prstDash val="solid"/>
+                      <a:round/>
+                      <a:headEnd type="none" w="med" len="med"/>
+                      <a:tailEnd type="none" w="med" len="med"/>
+                    </a:lnB>
+                    <a:lnTlToBr w="12700" cmpd="sng">
+                      <a:noFill/>
+                      <a:prstDash val="solid"/>
+                    </a:lnTlToBr>
+                    <a:lnBlToTr w="12700" cmpd="sng">
+                      <a:noFill/>
+                      <a:prstDash val="solid"/>
+                    </a:lnBlToTr>
+                  </a:tcPr>
+                </a:tc>
+                <a:tc>
+                  <a:txBody>
+                    <a:bodyPr/>
+                    <a:lstStyle/>
+                    <a:p>
+                      <a:pPr algn="ctr"/>
+                      <a:r>
+                        <a:rPr lang="es-PE" dirty="0"/>
+                        <a:t>10</a:t>
+                      </a:r>
+                    </a:p>
+                  </a:txBody>
+                  <a:tcPr anchor="ctr">
+                    <a:lnL w="12700" cap="flat" cmpd="sng" algn="ctr">
+                      <a:solidFill>
+                        <a:schemeClr val="tx1"/>
+                      </a:solidFill>
+                      <a:prstDash val="solid"/>
+                      <a:round/>
+                      <a:headEnd type="none" w="med" len="med"/>
+                      <a:tailEnd type="none" w="med" len="med"/>
+                    </a:lnL>
+                    <a:lnR w="12700" cap="flat" cmpd="sng" algn="ctr">
+                      <a:solidFill>
+                        <a:schemeClr val="tx1"/>
+                      </a:solidFill>
+                      <a:prstDash val="solid"/>
+                      <a:round/>
+                      <a:headEnd type="none" w="med" len="med"/>
+                      <a:tailEnd type="none" w="med" len="med"/>
+                    </a:lnR>
+                    <a:lnT w="12700" cap="flat" cmpd="sng" algn="ctr">
+                      <a:solidFill>
+                        <a:schemeClr val="tx1"/>
+                      </a:solidFill>
+                      <a:prstDash val="solid"/>
+                      <a:round/>
+                      <a:headEnd type="none" w="med" len="med"/>
+                      <a:tailEnd type="none" w="med" len="med"/>
+                    </a:lnT>
+                    <a:lnB w="12700" cap="flat" cmpd="sng" algn="ctr">
+                      <a:solidFill>
+                        <a:schemeClr val="tx1"/>
+                      </a:solidFill>
+                      <a:prstDash val="solid"/>
+                      <a:round/>
+                      <a:headEnd type="none" w="med" len="med"/>
+                      <a:tailEnd type="none" w="med" len="med"/>
+                    </a:lnB>
+                    <a:lnTlToBr w="12700" cmpd="sng">
+                      <a:noFill/>
+                      <a:prstDash val="solid"/>
+                    </a:lnTlToBr>
+                    <a:lnBlToTr w="12700" cmpd="sng">
+                      <a:noFill/>
+                      <a:prstDash val="solid"/>
+                    </a:lnBlToTr>
+                  </a:tcPr>
+                </a:tc>
+                <a:extLst>
+                  <a:ext uri="{0D108BD9-81ED-4DB2-BD59-A6C34878D82A}">
+                    <a16:rowId xmlns:a16="http://schemas.microsoft.com/office/drawing/2014/main" val="287528904"/>
+                  </a:ext>
+                </a:extLst>
+              </a:tr>
+            </a:tbl>
+          </a:graphicData>
+        </a:graphic>
+      </p:graphicFrame>
     </p:spTree>
     <p:extLst>
       <p:ext uri="{BB962C8B-B14F-4D97-AF65-F5344CB8AC3E}">
-        <p14:creationId xmlns:p14="http://schemas.microsoft.com/office/powerpoint/2010/main" val="3860848173"/>
+        <p14:creationId xmlns:p14="http://schemas.microsoft.com/office/powerpoint/2010/main" val="1514695365"/>
       </p:ext>
     </p:extLst>
   </p:cSld>
@@ -6903,6 +7223,976 @@
               <a:rPr lang="es-ES" smtClean="0"/>
               <a:pPr/>
               <a:t>5</a:t>
+            </a:fld>
+            <a:endParaRPr lang="es-ES"/>
+          </a:p>
+        </p:txBody>
+      </p:sp>
+      <p:sp>
+        <p:nvSpPr>
+          <p:cNvPr id="3" name="4 Título"/>
+          <p:cNvSpPr txBox="1">
+            <a:spLocks/>
+          </p:cNvSpPr>
+          <p:nvPr/>
+        </p:nvSpPr>
+        <p:spPr>
+          <a:xfrm>
+            <a:off x="611560" y="188640"/>
+            <a:ext cx="8784976" cy="457120"/>
+          </a:xfrm>
+          <a:prstGeom prst="rect">
+            <a:avLst/>
+          </a:prstGeom>
+        </p:spPr>
+        <p:txBody>
+          <a:bodyPr bIns="91440" anchor="b" anchorCtr="0">
+            <a:noAutofit/>
+          </a:bodyPr>
+          <a:lstStyle>
+            <a:lvl1pPr>
+              <a:spcBef>
+                <a:spcPct val="0"/>
+              </a:spcBef>
+              <a:buNone/>
+              <a:defRPr kumimoji="0" sz="2400">
+                <a:ln w="0"/>
+                <a:solidFill>
+                  <a:schemeClr val="tx2"/>
+                </a:solidFill>
+                <a:effectLst>
+                  <a:outerShdw blurRad="38100" dist="19050" dir="2700000" algn="tl" rotWithShape="0">
+                    <a:schemeClr val="dk1">
+                      <a:alpha val="40000"/>
+                    </a:schemeClr>
+                  </a:outerShdw>
+                </a:effectLst>
+                <a:latin typeface="+mj-lt"/>
+                <a:ea typeface="+mj-ea"/>
+                <a:cs typeface="+mj-cs"/>
+              </a:defRPr>
+            </a:lvl1pPr>
+          </a:lstStyle>
+          <a:p>
+            <a:r>
+              <a:rPr lang="es-PE" altLang="en-US" dirty="0"/>
+              <a:t>Modelamiento matemático</a:t>
+            </a:r>
+          </a:p>
+        </p:txBody>
+      </p:sp>
+      <p:sp>
+        <p:nvSpPr>
+          <p:cNvPr id="5" name="CuadroTexto 4"/>
+          <p:cNvSpPr txBox="1"/>
+          <p:nvPr/>
+        </p:nvSpPr>
+        <p:spPr>
+          <a:xfrm>
+            <a:off x="602191" y="836712"/>
+            <a:ext cx="8002257" cy="2246769"/>
+          </a:xfrm>
+          <a:prstGeom prst="rect">
+            <a:avLst/>
+          </a:prstGeom>
+          <a:noFill/>
+        </p:spPr>
+        <p:txBody>
+          <a:bodyPr wrap="square" rtlCol="0">
+            <a:spAutoFit/>
+          </a:bodyPr>
+          <a:lstStyle/>
+          <a:p>
+            <a:pPr marL="285750" indent="-285750">
+              <a:buFont typeface="Arial" panose="020B0604020202020204" pitchFamily="34" charset="0"/>
+              <a:buChar char="•"/>
+            </a:pPr>
+            <a:r>
+              <a:rPr lang="es-MX" sz="2000" dirty="0"/>
+              <a:t>Definición: Proceso de abstracción de la realidad hacia formas matemáticas para representar partes de ella.</a:t>
+            </a:r>
+          </a:p>
+          <a:p>
+            <a:pPr marL="285750" indent="-285750">
+              <a:buFont typeface="Arial" panose="020B0604020202020204" pitchFamily="34" charset="0"/>
+              <a:buChar char="•"/>
+            </a:pPr>
+            <a:r>
+              <a:rPr lang="es-MX" sz="2000" dirty="0"/>
+              <a:t>Entonces: </a:t>
+            </a:r>
+          </a:p>
+          <a:p>
+            <a:pPr marL="742950" lvl="1" indent="-285750">
+              <a:buFont typeface="Arial" panose="020B0604020202020204" pitchFamily="34" charset="0"/>
+              <a:buChar char="•"/>
+            </a:pPr>
+            <a:r>
+              <a:rPr lang="es-MX" sz="2000" dirty="0"/>
+              <a:t>Representación simplificada de una realidad</a:t>
+            </a:r>
+          </a:p>
+          <a:p>
+            <a:pPr marL="742950" lvl="1" indent="-285750">
+              <a:buFont typeface="Arial" panose="020B0604020202020204" pitchFamily="34" charset="0"/>
+              <a:buChar char="•"/>
+            </a:pPr>
+            <a:r>
+              <a:rPr lang="es-MX" sz="2000" dirty="0"/>
+              <a:t>Herramienta ayuda para la toma de decisiones</a:t>
+            </a:r>
+          </a:p>
+          <a:p>
+            <a:pPr marL="285750" indent="-285750">
+              <a:buFont typeface="Arial" panose="020B0604020202020204" pitchFamily="34" charset="0"/>
+              <a:buChar char="•"/>
+            </a:pPr>
+            <a:r>
+              <a:rPr lang="es-MX" sz="2000" dirty="0"/>
+              <a:t>Modelador: desarrollo del modelo.</a:t>
+            </a:r>
+          </a:p>
+          <a:p>
+            <a:pPr marL="285750" indent="-285750">
+              <a:buFont typeface="Arial" panose="020B0604020202020204" pitchFamily="34" charset="0"/>
+              <a:buChar char="•"/>
+            </a:pPr>
+            <a:r>
+              <a:rPr lang="es-MX" sz="2000" dirty="0"/>
+              <a:t>Experto: conocimiento de la realidad del problema</a:t>
+            </a:r>
+          </a:p>
+        </p:txBody>
+      </p:sp>
+      <p:sp>
+        <p:nvSpPr>
+          <p:cNvPr id="7" name="Rectángulo redondeado 6"/>
+          <p:cNvSpPr/>
+          <p:nvPr/>
+        </p:nvSpPr>
+        <p:spPr>
+          <a:xfrm>
+            <a:off x="971600" y="3389095"/>
+            <a:ext cx="1440160" cy="720080"/>
+          </a:xfrm>
+          <a:prstGeom prst="roundRect">
+            <a:avLst/>
+          </a:prstGeom>
+          <a:ln>
+            <a:solidFill>
+              <a:schemeClr val="tx2"/>
+            </a:solidFill>
+          </a:ln>
+        </p:spPr>
+        <p:style>
+          <a:lnRef idx="2">
+            <a:schemeClr val="accent1">
+              <a:shade val="50000"/>
+            </a:schemeClr>
+          </a:lnRef>
+          <a:fillRef idx="1">
+            <a:schemeClr val="accent1"/>
+          </a:fillRef>
+          <a:effectRef idx="0">
+            <a:schemeClr val="accent1"/>
+          </a:effectRef>
+          <a:fontRef idx="minor">
+            <a:schemeClr val="lt1"/>
+          </a:fontRef>
+        </p:style>
+        <p:txBody>
+          <a:bodyPr rtlCol="0" anchor="ctr"/>
+          <a:lstStyle/>
+          <a:p>
+            <a:pPr algn="ctr"/>
+            <a:r>
+              <a:rPr lang="es-MX" dirty="0"/>
+              <a:t>Realidad</a:t>
+            </a:r>
+            <a:endParaRPr lang="es-PE" dirty="0"/>
+          </a:p>
+        </p:txBody>
+      </p:sp>
+      <p:sp>
+        <p:nvSpPr>
+          <p:cNvPr id="6" name="Rectángulo redondeado 5"/>
+          <p:cNvSpPr/>
+          <p:nvPr/>
+        </p:nvSpPr>
+        <p:spPr>
+          <a:xfrm>
+            <a:off x="3851920" y="3425099"/>
+            <a:ext cx="1368152" cy="648072"/>
+          </a:xfrm>
+          <a:prstGeom prst="roundRect">
+            <a:avLst/>
+          </a:prstGeom>
+          <a:solidFill>
+            <a:schemeClr val="accent1"/>
+          </a:solidFill>
+          <a:ln>
+            <a:solidFill>
+              <a:schemeClr val="tx2"/>
+            </a:solidFill>
+          </a:ln>
+        </p:spPr>
+        <p:style>
+          <a:lnRef idx="2">
+            <a:schemeClr val="accent3">
+              <a:shade val="50000"/>
+            </a:schemeClr>
+          </a:lnRef>
+          <a:fillRef idx="1">
+            <a:schemeClr val="accent3"/>
+          </a:fillRef>
+          <a:effectRef idx="0">
+            <a:schemeClr val="accent3"/>
+          </a:effectRef>
+          <a:fontRef idx="minor">
+            <a:schemeClr val="lt1"/>
+          </a:fontRef>
+        </p:style>
+        <p:txBody>
+          <a:bodyPr rtlCol="0" anchor="ctr"/>
+          <a:lstStyle/>
+          <a:p>
+            <a:pPr algn="ctr"/>
+            <a:r>
+              <a:rPr lang="es-MX" dirty="0"/>
+              <a:t>Realidad asumida</a:t>
+            </a:r>
+            <a:endParaRPr lang="es-PE" dirty="0"/>
+          </a:p>
+        </p:txBody>
+      </p:sp>
+      <p:sp>
+        <p:nvSpPr>
+          <p:cNvPr id="8" name="Rectángulo redondeado 7"/>
+          <p:cNvSpPr/>
+          <p:nvPr/>
+        </p:nvSpPr>
+        <p:spPr>
+          <a:xfrm>
+            <a:off x="6660232" y="3425099"/>
+            <a:ext cx="1368152" cy="648072"/>
+          </a:xfrm>
+          <a:prstGeom prst="roundRect">
+            <a:avLst/>
+          </a:prstGeom>
+          <a:solidFill>
+            <a:schemeClr val="accent2">
+              <a:lumMod val="75000"/>
+            </a:schemeClr>
+          </a:solidFill>
+          <a:ln>
+            <a:solidFill>
+              <a:schemeClr val="accent2">
+                <a:lumMod val="50000"/>
+              </a:schemeClr>
+            </a:solidFill>
+          </a:ln>
+        </p:spPr>
+        <p:style>
+          <a:lnRef idx="2">
+            <a:schemeClr val="accent3">
+              <a:shade val="50000"/>
+            </a:schemeClr>
+          </a:lnRef>
+          <a:fillRef idx="1">
+            <a:schemeClr val="accent3"/>
+          </a:fillRef>
+          <a:effectRef idx="0">
+            <a:schemeClr val="accent3"/>
+          </a:effectRef>
+          <a:fontRef idx="minor">
+            <a:schemeClr val="lt1"/>
+          </a:fontRef>
+        </p:style>
+        <p:txBody>
+          <a:bodyPr rtlCol="0" anchor="ctr"/>
+          <a:lstStyle/>
+          <a:p>
+            <a:pPr algn="ctr"/>
+            <a:r>
+              <a:rPr lang="es-MX" dirty="0"/>
+              <a:t>Modelo</a:t>
+            </a:r>
+            <a:endParaRPr lang="es-PE" dirty="0"/>
+          </a:p>
+        </p:txBody>
+      </p:sp>
+      <p:sp>
+        <p:nvSpPr>
+          <p:cNvPr id="9" name="Rectángulo redondeado 8"/>
+          <p:cNvSpPr/>
+          <p:nvPr/>
+        </p:nvSpPr>
+        <p:spPr>
+          <a:xfrm>
+            <a:off x="971600" y="5085184"/>
+            <a:ext cx="1440160" cy="720080"/>
+          </a:xfrm>
+          <a:prstGeom prst="roundRect">
+            <a:avLst/>
+          </a:prstGeom>
+          <a:solidFill>
+            <a:schemeClr val="bg2">
+              <a:lumMod val="50000"/>
+            </a:schemeClr>
+          </a:solidFill>
+          <a:ln>
+            <a:solidFill>
+              <a:schemeClr val="bg2">
+                <a:lumMod val="10000"/>
+              </a:schemeClr>
+            </a:solidFill>
+          </a:ln>
+        </p:spPr>
+        <p:style>
+          <a:lnRef idx="2">
+            <a:schemeClr val="accent1">
+              <a:shade val="50000"/>
+            </a:schemeClr>
+          </a:lnRef>
+          <a:fillRef idx="1">
+            <a:schemeClr val="accent1"/>
+          </a:fillRef>
+          <a:effectRef idx="0">
+            <a:schemeClr val="accent1"/>
+          </a:effectRef>
+          <a:fontRef idx="minor">
+            <a:schemeClr val="lt1"/>
+          </a:fontRef>
+        </p:style>
+        <p:txBody>
+          <a:bodyPr rtlCol="0" anchor="ctr"/>
+          <a:lstStyle/>
+          <a:p>
+            <a:pPr algn="ctr"/>
+            <a:r>
+              <a:rPr lang="es-MX" dirty="0"/>
+              <a:t>Solución</a:t>
+            </a:r>
+            <a:r>
+              <a:rPr lang="es-PE" dirty="0"/>
+              <a:t> al problema</a:t>
+            </a:r>
+          </a:p>
+        </p:txBody>
+      </p:sp>
+      <p:sp>
+        <p:nvSpPr>
+          <p:cNvPr id="10" name="Rectángulo redondeado 9"/>
+          <p:cNvSpPr/>
+          <p:nvPr/>
+        </p:nvSpPr>
+        <p:spPr>
+          <a:xfrm>
+            <a:off x="3851920" y="5121188"/>
+            <a:ext cx="1368152" cy="648072"/>
+          </a:xfrm>
+          <a:prstGeom prst="roundRect">
+            <a:avLst/>
+          </a:prstGeom>
+          <a:solidFill>
+            <a:schemeClr val="accent1"/>
+          </a:solidFill>
+          <a:ln>
+            <a:solidFill>
+              <a:schemeClr val="tx2"/>
+            </a:solidFill>
+          </a:ln>
+        </p:spPr>
+        <p:style>
+          <a:lnRef idx="2">
+            <a:schemeClr val="accent3">
+              <a:shade val="50000"/>
+            </a:schemeClr>
+          </a:lnRef>
+          <a:fillRef idx="1">
+            <a:schemeClr val="accent3"/>
+          </a:fillRef>
+          <a:effectRef idx="0">
+            <a:schemeClr val="accent3"/>
+          </a:effectRef>
+          <a:fontRef idx="minor">
+            <a:schemeClr val="lt1"/>
+          </a:fontRef>
+        </p:style>
+        <p:txBody>
+          <a:bodyPr rtlCol="0" anchor="ctr"/>
+          <a:lstStyle/>
+          <a:p>
+            <a:pPr algn="ctr"/>
+            <a:r>
+              <a:rPr lang="es-MX" dirty="0"/>
+              <a:t>Juicios y experiencias</a:t>
+            </a:r>
+            <a:endParaRPr lang="es-PE" dirty="0"/>
+          </a:p>
+        </p:txBody>
+      </p:sp>
+      <p:sp>
+        <p:nvSpPr>
+          <p:cNvPr id="11" name="Rectángulo redondeado 10"/>
+          <p:cNvSpPr/>
+          <p:nvPr/>
+        </p:nvSpPr>
+        <p:spPr>
+          <a:xfrm>
+            <a:off x="6660232" y="5121188"/>
+            <a:ext cx="1368152" cy="648072"/>
+          </a:xfrm>
+          <a:prstGeom prst="roundRect">
+            <a:avLst/>
+          </a:prstGeom>
+          <a:solidFill>
+            <a:schemeClr val="bg2">
+              <a:lumMod val="50000"/>
+            </a:schemeClr>
+          </a:solidFill>
+          <a:ln>
+            <a:solidFill>
+              <a:schemeClr val="bg2">
+                <a:lumMod val="10000"/>
+              </a:schemeClr>
+            </a:solidFill>
+          </a:ln>
+        </p:spPr>
+        <p:style>
+          <a:lnRef idx="2">
+            <a:schemeClr val="accent3">
+              <a:shade val="50000"/>
+            </a:schemeClr>
+          </a:lnRef>
+          <a:fillRef idx="1">
+            <a:schemeClr val="accent3"/>
+          </a:fillRef>
+          <a:effectRef idx="0">
+            <a:schemeClr val="accent3"/>
+          </a:effectRef>
+          <a:fontRef idx="minor">
+            <a:schemeClr val="lt1"/>
+          </a:fontRef>
+        </p:style>
+        <p:txBody>
+          <a:bodyPr rtlCol="0" anchor="ctr"/>
+          <a:lstStyle/>
+          <a:p>
+            <a:pPr algn="ctr"/>
+            <a:r>
+              <a:rPr lang="es-MX" dirty="0"/>
+              <a:t>Solución al Modelo</a:t>
+            </a:r>
+            <a:endParaRPr lang="es-PE" dirty="0"/>
+          </a:p>
+        </p:txBody>
+      </p:sp>
+      <p:cxnSp>
+        <p:nvCxnSpPr>
+          <p:cNvPr id="12" name="Conector recto de flecha 11"/>
+          <p:cNvCxnSpPr>
+            <a:stCxn id="7" idx="3"/>
+            <a:endCxn id="6" idx="1"/>
+          </p:cNvCxnSpPr>
+          <p:nvPr/>
+        </p:nvCxnSpPr>
+        <p:spPr>
+          <a:xfrm>
+            <a:off x="2411760" y="3749135"/>
+            <a:ext cx="1440160" cy="0"/>
+          </a:xfrm>
+          <a:prstGeom prst="straightConnector1">
+            <a:avLst/>
+          </a:prstGeom>
+          <a:ln w="28575">
+            <a:tailEnd type="triangle"/>
+          </a:ln>
+        </p:spPr>
+        <p:style>
+          <a:lnRef idx="1">
+            <a:schemeClr val="dk1"/>
+          </a:lnRef>
+          <a:fillRef idx="0">
+            <a:schemeClr val="dk1"/>
+          </a:fillRef>
+          <a:effectRef idx="0">
+            <a:schemeClr val="dk1"/>
+          </a:effectRef>
+          <a:fontRef idx="minor">
+            <a:schemeClr val="tx1"/>
+          </a:fontRef>
+        </p:style>
+      </p:cxnSp>
+      <p:cxnSp>
+        <p:nvCxnSpPr>
+          <p:cNvPr id="14" name="Conector recto de flecha 13"/>
+          <p:cNvCxnSpPr>
+            <a:stCxn id="6" idx="3"/>
+            <a:endCxn id="8" idx="1"/>
+          </p:cNvCxnSpPr>
+          <p:nvPr/>
+        </p:nvCxnSpPr>
+        <p:spPr>
+          <a:xfrm>
+            <a:off x="5220072" y="3749135"/>
+            <a:ext cx="1440160" cy="0"/>
+          </a:xfrm>
+          <a:prstGeom prst="straightConnector1">
+            <a:avLst/>
+          </a:prstGeom>
+          <a:ln w="28575">
+            <a:tailEnd type="triangle"/>
+          </a:ln>
+        </p:spPr>
+        <p:style>
+          <a:lnRef idx="1">
+            <a:schemeClr val="dk1"/>
+          </a:lnRef>
+          <a:fillRef idx="0">
+            <a:schemeClr val="dk1"/>
+          </a:fillRef>
+          <a:effectRef idx="0">
+            <a:schemeClr val="dk1"/>
+          </a:effectRef>
+          <a:fontRef idx="minor">
+            <a:schemeClr val="tx1"/>
+          </a:fontRef>
+        </p:style>
+      </p:cxnSp>
+      <p:sp>
+        <p:nvSpPr>
+          <p:cNvPr id="15" name="CuadroTexto 14"/>
+          <p:cNvSpPr txBox="1"/>
+          <p:nvPr/>
+        </p:nvSpPr>
+        <p:spPr>
+          <a:xfrm>
+            <a:off x="2729742" y="3487525"/>
+            <a:ext cx="804195" cy="523220"/>
+          </a:xfrm>
+          <a:prstGeom prst="rect">
+            <a:avLst/>
+          </a:prstGeom>
+          <a:noFill/>
+        </p:spPr>
+        <p:txBody>
+          <a:bodyPr wrap="none" rtlCol="0">
+            <a:spAutoFit/>
+          </a:bodyPr>
+          <a:lstStyle/>
+          <a:p>
+            <a:pPr algn="ctr"/>
+            <a:r>
+              <a:rPr lang="es-PE" sz="1400" dirty="0"/>
+              <a:t>Variables </a:t>
+            </a:r>
+          </a:p>
+          <a:p>
+            <a:pPr algn="ctr"/>
+            <a:r>
+              <a:rPr lang="es-PE" sz="1400" dirty="0"/>
+              <a:t>relevante</a:t>
+            </a:r>
+          </a:p>
+        </p:txBody>
+      </p:sp>
+      <p:sp>
+        <p:nvSpPr>
+          <p:cNvPr id="16" name="CuadroTexto 15"/>
+          <p:cNvSpPr txBox="1"/>
+          <p:nvPr/>
+        </p:nvSpPr>
+        <p:spPr>
+          <a:xfrm>
+            <a:off x="5482334" y="3487525"/>
+            <a:ext cx="915635" cy="523220"/>
+          </a:xfrm>
+          <a:prstGeom prst="rect">
+            <a:avLst/>
+          </a:prstGeom>
+          <a:noFill/>
+        </p:spPr>
+        <p:txBody>
+          <a:bodyPr wrap="none" rtlCol="0">
+            <a:spAutoFit/>
+          </a:bodyPr>
+          <a:lstStyle/>
+          <a:p>
+            <a:pPr algn="ctr"/>
+            <a:r>
+              <a:rPr lang="es-PE" sz="1400" dirty="0"/>
+              <a:t>Relaciones </a:t>
+            </a:r>
+          </a:p>
+          <a:p>
+            <a:pPr algn="ctr"/>
+            <a:r>
+              <a:rPr lang="es-PE" sz="1400" dirty="0"/>
+              <a:t>relevante</a:t>
+            </a:r>
+          </a:p>
+        </p:txBody>
+      </p:sp>
+      <p:cxnSp>
+        <p:nvCxnSpPr>
+          <p:cNvPr id="18" name="Conector recto de flecha 17"/>
+          <p:cNvCxnSpPr>
+            <a:stCxn id="8" idx="2"/>
+            <a:endCxn id="11" idx="0"/>
+          </p:cNvCxnSpPr>
+          <p:nvPr/>
+        </p:nvCxnSpPr>
+        <p:spPr>
+          <a:xfrm>
+            <a:off x="7344308" y="4073171"/>
+            <a:ext cx="0" cy="1048017"/>
+          </a:xfrm>
+          <a:prstGeom prst="straightConnector1">
+            <a:avLst/>
+          </a:prstGeom>
+          <a:ln w="28575">
+            <a:tailEnd type="triangle"/>
+          </a:ln>
+        </p:spPr>
+        <p:style>
+          <a:lnRef idx="1">
+            <a:schemeClr val="dk1"/>
+          </a:lnRef>
+          <a:fillRef idx="0">
+            <a:schemeClr val="dk1"/>
+          </a:fillRef>
+          <a:effectRef idx="0">
+            <a:schemeClr val="dk1"/>
+          </a:effectRef>
+          <a:fontRef idx="minor">
+            <a:schemeClr val="tx1"/>
+          </a:fontRef>
+        </p:style>
+      </p:cxnSp>
+      <p:cxnSp>
+        <p:nvCxnSpPr>
+          <p:cNvPr id="20" name="Conector recto de flecha 19"/>
+          <p:cNvCxnSpPr>
+            <a:stCxn id="11" idx="1"/>
+            <a:endCxn id="10" idx="3"/>
+          </p:cNvCxnSpPr>
+          <p:nvPr/>
+        </p:nvCxnSpPr>
+        <p:spPr>
+          <a:xfrm flipH="1">
+            <a:off x="5220072" y="5445224"/>
+            <a:ext cx="1440160" cy="0"/>
+          </a:xfrm>
+          <a:prstGeom prst="straightConnector1">
+            <a:avLst/>
+          </a:prstGeom>
+          <a:ln w="28575">
+            <a:tailEnd type="triangle"/>
+          </a:ln>
+        </p:spPr>
+        <p:style>
+          <a:lnRef idx="1">
+            <a:schemeClr val="dk1"/>
+          </a:lnRef>
+          <a:fillRef idx="0">
+            <a:schemeClr val="dk1"/>
+          </a:fillRef>
+          <a:effectRef idx="0">
+            <a:schemeClr val="dk1"/>
+          </a:effectRef>
+          <a:fontRef idx="minor">
+            <a:schemeClr val="tx1"/>
+          </a:fontRef>
+        </p:style>
+      </p:cxnSp>
+      <p:cxnSp>
+        <p:nvCxnSpPr>
+          <p:cNvPr id="22" name="Conector recto de flecha 21"/>
+          <p:cNvCxnSpPr>
+            <a:stCxn id="10" idx="1"/>
+            <a:endCxn id="9" idx="3"/>
+          </p:cNvCxnSpPr>
+          <p:nvPr/>
+        </p:nvCxnSpPr>
+        <p:spPr>
+          <a:xfrm flipH="1">
+            <a:off x="2411760" y="5445224"/>
+            <a:ext cx="1440160" cy="0"/>
+          </a:xfrm>
+          <a:prstGeom prst="straightConnector1">
+            <a:avLst/>
+          </a:prstGeom>
+          <a:ln w="28575">
+            <a:tailEnd type="triangle"/>
+          </a:ln>
+        </p:spPr>
+        <p:style>
+          <a:lnRef idx="1">
+            <a:schemeClr val="dk1"/>
+          </a:lnRef>
+          <a:fillRef idx="0">
+            <a:schemeClr val="dk1"/>
+          </a:fillRef>
+          <a:effectRef idx="0">
+            <a:schemeClr val="dk1"/>
+          </a:effectRef>
+          <a:fontRef idx="minor">
+            <a:schemeClr val="tx1"/>
+          </a:fontRef>
+        </p:style>
+      </p:cxnSp>
+      <p:cxnSp>
+        <p:nvCxnSpPr>
+          <p:cNvPr id="24" name="Conector recto de flecha 23"/>
+          <p:cNvCxnSpPr>
+            <a:stCxn id="9" idx="0"/>
+            <a:endCxn id="7" idx="2"/>
+          </p:cNvCxnSpPr>
+          <p:nvPr/>
+        </p:nvCxnSpPr>
+        <p:spPr>
+          <a:xfrm flipV="1">
+            <a:off x="1691680" y="4109175"/>
+            <a:ext cx="0" cy="976009"/>
+          </a:xfrm>
+          <a:prstGeom prst="straightConnector1">
+            <a:avLst/>
+          </a:prstGeom>
+          <a:ln w="28575">
+            <a:tailEnd type="triangle"/>
+          </a:ln>
+        </p:spPr>
+        <p:style>
+          <a:lnRef idx="1">
+            <a:schemeClr val="dk1"/>
+          </a:lnRef>
+          <a:fillRef idx="0">
+            <a:schemeClr val="dk1"/>
+          </a:fillRef>
+          <a:effectRef idx="0">
+            <a:schemeClr val="dk1"/>
+          </a:effectRef>
+          <a:fontRef idx="minor">
+            <a:schemeClr val="tx1"/>
+          </a:fontRef>
+        </p:style>
+      </p:cxnSp>
+      <p:cxnSp>
+        <p:nvCxnSpPr>
+          <p:cNvPr id="26" name="Conector recto de flecha 25"/>
+          <p:cNvCxnSpPr>
+            <a:stCxn id="10" idx="0"/>
+            <a:endCxn id="6" idx="2"/>
+          </p:cNvCxnSpPr>
+          <p:nvPr/>
+        </p:nvCxnSpPr>
+        <p:spPr>
+          <a:xfrm flipV="1">
+            <a:off x="4535996" y="4073171"/>
+            <a:ext cx="0" cy="1048017"/>
+          </a:xfrm>
+          <a:prstGeom prst="straightConnector1">
+            <a:avLst/>
+          </a:prstGeom>
+          <a:ln w="28575">
+            <a:tailEnd type="triangle"/>
+          </a:ln>
+        </p:spPr>
+        <p:style>
+          <a:lnRef idx="1">
+            <a:schemeClr val="dk1"/>
+          </a:lnRef>
+          <a:fillRef idx="0">
+            <a:schemeClr val="dk1"/>
+          </a:fillRef>
+          <a:effectRef idx="0">
+            <a:schemeClr val="dk1"/>
+          </a:effectRef>
+          <a:fontRef idx="minor">
+            <a:schemeClr val="tx1"/>
+          </a:fontRef>
+        </p:style>
+      </p:cxnSp>
+      <p:sp>
+        <p:nvSpPr>
+          <p:cNvPr id="28" name="CuadroTexto 27"/>
+          <p:cNvSpPr txBox="1"/>
+          <p:nvPr/>
+        </p:nvSpPr>
+        <p:spPr>
+          <a:xfrm rot="5400000">
+            <a:off x="7153249" y="4366347"/>
+            <a:ext cx="814647" cy="461665"/>
+          </a:xfrm>
+          <a:prstGeom prst="rect">
+            <a:avLst/>
+          </a:prstGeom>
+          <a:noFill/>
+        </p:spPr>
+        <p:txBody>
+          <a:bodyPr wrap="none" rtlCol="0">
+            <a:spAutoFit/>
+          </a:bodyPr>
+          <a:lstStyle/>
+          <a:p>
+            <a:pPr algn="ctr"/>
+            <a:r>
+              <a:rPr lang="es-PE" sz="1200" dirty="0"/>
+              <a:t>Método</a:t>
+            </a:r>
+          </a:p>
+          <a:p>
+            <a:pPr algn="ctr"/>
+            <a:r>
+              <a:rPr lang="es-PE" sz="1200" dirty="0"/>
+              <a:t>de solución</a:t>
+            </a:r>
+          </a:p>
+        </p:txBody>
+      </p:sp>
+      <p:sp>
+        <p:nvSpPr>
+          <p:cNvPr id="29" name="CuadroTexto 28"/>
+          <p:cNvSpPr txBox="1"/>
+          <p:nvPr/>
+        </p:nvSpPr>
+        <p:spPr>
+          <a:xfrm>
+            <a:off x="5384426" y="5183614"/>
+            <a:ext cx="1111458" cy="307777"/>
+          </a:xfrm>
+          <a:prstGeom prst="rect">
+            <a:avLst/>
+          </a:prstGeom>
+          <a:noFill/>
+        </p:spPr>
+        <p:txBody>
+          <a:bodyPr wrap="none" rtlCol="0">
+            <a:spAutoFit/>
+          </a:bodyPr>
+          <a:lstStyle/>
+          <a:p>
+            <a:pPr algn="ctr"/>
+            <a:r>
+              <a:rPr lang="es-PE" sz="1400" dirty="0"/>
+              <a:t>Interpretación</a:t>
+            </a:r>
+          </a:p>
+        </p:txBody>
+      </p:sp>
+      <p:sp>
+        <p:nvSpPr>
+          <p:cNvPr id="30" name="CuadroTexto 29"/>
+          <p:cNvSpPr txBox="1"/>
+          <p:nvPr/>
+        </p:nvSpPr>
+        <p:spPr>
+          <a:xfrm>
+            <a:off x="2693257" y="5183614"/>
+            <a:ext cx="877164" cy="307777"/>
+          </a:xfrm>
+          <a:prstGeom prst="rect">
+            <a:avLst/>
+          </a:prstGeom>
+          <a:noFill/>
+        </p:spPr>
+        <p:txBody>
+          <a:bodyPr wrap="none" rtlCol="0">
+            <a:spAutoFit/>
+          </a:bodyPr>
+          <a:lstStyle/>
+          <a:p>
+            <a:pPr algn="ctr"/>
+            <a:r>
+              <a:rPr lang="es-PE" sz="1400" dirty="0"/>
+              <a:t>Decisiones</a:t>
+            </a:r>
+          </a:p>
+        </p:txBody>
+      </p:sp>
+      <p:sp>
+        <p:nvSpPr>
+          <p:cNvPr id="31" name="CuadroTexto 30"/>
+          <p:cNvSpPr txBox="1"/>
+          <p:nvPr/>
+        </p:nvSpPr>
+        <p:spPr>
+          <a:xfrm rot="5400000">
+            <a:off x="1287402" y="4458681"/>
+            <a:ext cx="1085554" cy="276999"/>
+          </a:xfrm>
+          <a:prstGeom prst="rect">
+            <a:avLst/>
+          </a:prstGeom>
+          <a:noFill/>
+        </p:spPr>
+        <p:txBody>
+          <a:bodyPr wrap="none" rtlCol="0">
+            <a:spAutoFit/>
+          </a:bodyPr>
+          <a:lstStyle/>
+          <a:p>
+            <a:pPr algn="ctr"/>
+            <a:r>
+              <a:rPr lang="es-PE" sz="1200" dirty="0"/>
+              <a:t>Implementación</a:t>
+            </a:r>
+          </a:p>
+        </p:txBody>
+      </p:sp>
+    </p:spTree>
+    <p:extLst>
+      <p:ext uri="{BB962C8B-B14F-4D97-AF65-F5344CB8AC3E}">
+        <p14:creationId xmlns:p14="http://schemas.microsoft.com/office/powerpoint/2010/main" val="3860848173"/>
+      </p:ext>
+    </p:extLst>
+  </p:cSld>
+  <p:clrMapOvr>
+    <a:masterClrMapping/>
+  </p:clrMapOvr>
+  <p:transition spd="slow">
+    <p:fade/>
+  </p:transition>
+</p:sld>
+</file>
+
+<file path=ppt/slides/slide6.xml><?xml version="1.0" encoding="utf-8"?>
+<p:sld xmlns:a="http://schemas.openxmlformats.org/drawingml/2006/main" xmlns:r="http://schemas.openxmlformats.org/officeDocument/2006/relationships" xmlns:p="http://schemas.openxmlformats.org/presentationml/2006/main">
+  <p:cSld>
+    <p:spTree>
+      <p:nvGrpSpPr>
+        <p:cNvPr id="1" name=""/>
+        <p:cNvGrpSpPr/>
+        <p:nvPr/>
+      </p:nvGrpSpPr>
+      <p:grpSpPr>
+        <a:xfrm>
+          <a:off x="0" y="0"/>
+          <a:ext cx="0" cy="0"/>
+          <a:chOff x="0" y="0"/>
+          <a:chExt cx="0" cy="0"/>
+        </a:xfrm>
+      </p:grpSpPr>
+      <p:sp>
+        <p:nvSpPr>
+          <p:cNvPr id="2" name="Marcador de número de diapositiva 1"/>
+          <p:cNvSpPr>
+            <a:spLocks noGrp="1"/>
+          </p:cNvSpPr>
+          <p:nvPr>
+            <p:ph type="sldNum" sz="quarter" idx="12"/>
+          </p:nvPr>
+        </p:nvSpPr>
+        <p:spPr/>
+        <p:txBody>
+          <a:bodyPr/>
+          <a:lstStyle/>
+          <a:p>
+            <a:fld id="{64BD7E74-CBD2-4D88-9109-2EA8081AE675}" type="slidenum">
+              <a:rPr lang="es-ES" smtClean="0"/>
+              <a:pPr/>
+              <a:t>6</a:t>
             </a:fld>
             <a:endParaRPr lang="es-ES"/>
           </a:p>
